--- a/Documents/Presentation/[소프트웨어응용] 2조 프로젝트 2차발표.pptx
+++ b/Documents/Presentation/[소프트웨어응용] 2조 프로젝트 2차발표.pptx
@@ -21,9 +21,13 @@
   <p:notesSz cx="6858000" cy="9144000"/>
   <p:embeddedFontLst>
     <p:embeddedFont>
+      <p:font typeface="굵은굴림체" panose="02030600000101010101" pitchFamily="18" charset="-127"/>
+      <p:regular r:id="rId11"/>
+    </p:embeddedFont>
+    <p:embeddedFont>
       <p:font typeface="맑은 고딕" panose="020B0503020000020004" pitchFamily="50" charset="-127"/>
-      <p:regular r:id="rId11"/>
-      <p:bold r:id="rId12"/>
+      <p:regular r:id="rId12"/>
+      <p:bold r:id="rId13"/>
     </p:embeddedFont>
   </p:embeddedFontLst>
   <p:defaultTextStyle>
@@ -1620,8 +1624,8 @@
               <a:buSzPts val="4800"/>
               <a:buNone/>
               <a:defRPr sz="4800">
-                <a:latin typeface="맑은 고딕" panose="020B0503020000020004" pitchFamily="50" charset="-127"/>
-                <a:ea typeface="맑은 고딕" panose="020B0503020000020004" pitchFamily="50" charset="-127"/>
+                <a:latin typeface="굵은굴림체" panose="02030600000101010101" pitchFamily="18" charset="-127"/>
+                <a:ea typeface="굵은굴림체" panose="02030600000101010101" pitchFamily="18" charset="-127"/>
               </a:defRPr>
             </a:lvl1pPr>
             <a:lvl2pPr lvl="1" algn="r">
@@ -1857,8 +1861,8 @@
               <a:buSzPts val="3000"/>
               <a:buChar char="▣"/>
               <a:defRPr sz="3000">
-                <a:latin typeface="맑은 고딕" panose="020B0503020000020004" pitchFamily="50" charset="-127"/>
-                <a:ea typeface="맑은 고딕" panose="020B0503020000020004" pitchFamily="50" charset="-127"/>
+                <a:latin typeface="굵은굴림체" panose="02030600000101010101" pitchFamily="18" charset="-127"/>
+                <a:ea typeface="굵은굴림체" panose="02030600000101010101" pitchFamily="18" charset="-127"/>
               </a:defRPr>
             </a:lvl1pPr>
             <a:lvl2pPr marL="914400" lvl="1" indent="-419100" rtl="0">
@@ -2206,8 +2210,8 @@
               <a:buSzPts val="3000"/>
               <a:buNone/>
               <a:defRPr>
-                <a:latin typeface="맑은 고딕" panose="020B0503020000020004" pitchFamily="50" charset="-127"/>
-                <a:ea typeface="맑은 고딕" panose="020B0503020000020004" pitchFamily="50" charset="-127"/>
+                <a:latin typeface="굵은굴림체" panose="02030600000101010101" pitchFamily="18" charset="-127"/>
+                <a:ea typeface="굵은굴림체" panose="02030600000101010101" pitchFamily="18" charset="-127"/>
               </a:defRPr>
             </a:lvl1pPr>
             <a:lvl2pPr lvl="1">
@@ -2338,8 +2342,8 @@
               <a:buSzPts val="2400"/>
               <a:buChar char="▣"/>
               <a:defRPr>
-                <a:latin typeface="맑은 고딕" panose="020B0503020000020004" pitchFamily="50" charset="-127"/>
-                <a:ea typeface="맑은 고딕" panose="020B0503020000020004" pitchFamily="50" charset="-127"/>
+                <a:latin typeface="굵은굴림체" panose="02030600000101010101" pitchFamily="18" charset="-127"/>
+                <a:ea typeface="굵은굴림체" panose="02030600000101010101" pitchFamily="18" charset="-127"/>
               </a:defRPr>
             </a:lvl1pPr>
             <a:lvl2pPr marL="914400" lvl="1" indent="-381000">
@@ -2734,8 +2738,8 @@
               <a:buSzPts val="3000"/>
               <a:buNone/>
               <a:defRPr>
-                <a:latin typeface="맑은 고딕" panose="020B0503020000020004" pitchFamily="50" charset="-127"/>
-                <a:ea typeface="맑은 고딕" panose="020B0503020000020004" pitchFamily="50" charset="-127"/>
+                <a:latin typeface="굵은굴림체" panose="02030600000101010101" pitchFamily="18" charset="-127"/>
+                <a:ea typeface="굵은굴림체" panose="02030600000101010101" pitchFamily="18" charset="-127"/>
               </a:defRPr>
             </a:lvl1pPr>
             <a:lvl2pPr lvl="1">
@@ -2866,8 +2870,8 @@
               <a:buSzPts val="2000"/>
               <a:buChar char="▣"/>
               <a:defRPr sz="2000">
-                <a:latin typeface="맑은 고딕" panose="020B0503020000020004" pitchFamily="50" charset="-127"/>
-                <a:ea typeface="맑은 고딕" panose="020B0503020000020004" pitchFamily="50" charset="-127"/>
+                <a:latin typeface="굵은굴림체" panose="02030600000101010101" pitchFamily="18" charset="-127"/>
+                <a:ea typeface="굵은굴림체" panose="02030600000101010101" pitchFamily="18" charset="-127"/>
               </a:defRPr>
             </a:lvl1pPr>
             <a:lvl2pPr marL="914400" lvl="1" indent="-355600">
@@ -2998,8 +3002,8 @@
               <a:buSzPts val="2000"/>
               <a:buChar char="▣"/>
               <a:defRPr sz="2000">
-                <a:latin typeface="맑은 고딕" panose="020B0503020000020004" pitchFamily="50" charset="-127"/>
-                <a:ea typeface="맑은 고딕" panose="020B0503020000020004" pitchFamily="50" charset="-127"/>
+                <a:latin typeface="굵은굴림체" panose="02030600000101010101" pitchFamily="18" charset="-127"/>
+                <a:ea typeface="굵은굴림체" panose="02030600000101010101" pitchFamily="18" charset="-127"/>
               </a:defRPr>
             </a:lvl1pPr>
             <a:lvl2pPr marL="914400" lvl="1" indent="-355600">
@@ -3724,9 +3728,9 @@
                 <a:solidFill>
                   <a:schemeClr val="accent1"/>
                 </a:solidFill>
-                <a:latin typeface="맑은 고딕" panose="020B0503020000020004" pitchFamily="50" charset="-127"/>
-                <a:ea typeface="맑은 고딕" panose="020B0503020000020004" pitchFamily="50" charset="-127"/>
-                <a:cs typeface="맑은 고딕" panose="020B0503020000020004" pitchFamily="50" charset="-127"/>
+                <a:latin typeface="굵은굴림체" panose="02030600000101010101" pitchFamily="18" charset="-127"/>
+                <a:ea typeface="굵은굴림체" panose="02030600000101010101" pitchFamily="18" charset="-127"/>
+                <a:cs typeface="굵은굴림체" panose="02030600000101010101" pitchFamily="18" charset="-127"/>
                 <a:sym typeface="Montserrat"/>
               </a:defRPr>
             </a:lvl1pPr>
@@ -4898,21 +4902,21 @@
             <a:pPr algn="ctr"/>
             <a:r>
               <a:rPr lang="en-US" altLang="ko-KR" sz="3600" dirty="0">
-                <a:latin typeface="맑은 고딕" panose="020B0503020000020004" pitchFamily="50" charset="-127"/>
-                <a:ea typeface="맑은 고딕" panose="020B0503020000020004" pitchFamily="50" charset="-127"/>
+                <a:latin typeface="굵은굴림체" panose="02030600000101010101" pitchFamily="18" charset="-127"/>
+                <a:ea typeface="굵은굴림체" panose="02030600000101010101" pitchFamily="18" charset="-127"/>
               </a:rPr>
               <a:t>2</a:t>
             </a:r>
             <a:r>
               <a:rPr lang="ko-KR" altLang="en-US" sz="3600" dirty="0">
-                <a:latin typeface="맑은 고딕" panose="020B0503020000020004" pitchFamily="50" charset="-127"/>
-                <a:ea typeface="맑은 고딕" panose="020B0503020000020004" pitchFamily="50" charset="-127"/>
+                <a:latin typeface="굵은굴림체" panose="02030600000101010101" pitchFamily="18" charset="-127"/>
+                <a:ea typeface="굵은굴림체" panose="02030600000101010101" pitchFamily="18" charset="-127"/>
               </a:rPr>
               <a:t>조</a:t>
             </a:r>
             <a:endParaRPr lang="en-US" altLang="ko-KR" sz="3600" dirty="0">
-              <a:latin typeface="맑은 고딕" panose="020B0503020000020004" pitchFamily="50" charset="-127"/>
-              <a:ea typeface="맑은 고딕" panose="020B0503020000020004" pitchFamily="50" charset="-127"/>
+              <a:latin typeface="굵은굴림체" panose="02030600000101010101" pitchFamily="18" charset="-127"/>
+              <a:ea typeface="굵은굴림체" panose="02030600000101010101" pitchFamily="18" charset="-127"/>
             </a:endParaRPr>
           </a:p>
         </p:txBody>
@@ -5493,21 +5497,21 @@
             </a:pPr>
             <a:r>
               <a:rPr lang="en-US" altLang="ko-KR" sz="2200" dirty="0">
-                <a:latin typeface="맑은 고딕" panose="020B0503020000020004" pitchFamily="50" charset="-127"/>
-                <a:ea typeface="맑은 고딕" panose="020B0503020000020004" pitchFamily="50" charset="-127"/>
+                <a:latin typeface="굵은굴림체" panose="02030600000101010101" pitchFamily="18" charset="-127"/>
+                <a:ea typeface="굵은굴림체" panose="02030600000101010101" pitchFamily="18" charset="-127"/>
               </a:rPr>
               <a:t>2016920010 </a:t>
             </a:r>
             <a:r>
               <a:rPr lang="ko-KR" altLang="en-US" sz="2200" dirty="0" err="1">
-                <a:latin typeface="맑은 고딕" panose="020B0503020000020004" pitchFamily="50" charset="-127"/>
-                <a:ea typeface="맑은 고딕" panose="020B0503020000020004" pitchFamily="50" charset="-127"/>
+                <a:latin typeface="굵은굴림체" panose="02030600000101010101" pitchFamily="18" charset="-127"/>
+                <a:ea typeface="굵은굴림체" panose="02030600000101010101" pitchFamily="18" charset="-127"/>
               </a:rPr>
               <a:t>김현구</a:t>
             </a:r>
             <a:endParaRPr lang="en-US" altLang="ko-KR" sz="2200" dirty="0">
-              <a:latin typeface="맑은 고딕" panose="020B0503020000020004" pitchFamily="50" charset="-127"/>
-              <a:ea typeface="맑은 고딕" panose="020B0503020000020004" pitchFamily="50" charset="-127"/>
+              <a:latin typeface="굵은굴림체" panose="02030600000101010101" pitchFamily="18" charset="-127"/>
+              <a:ea typeface="굵은굴림체" panose="02030600000101010101" pitchFamily="18" charset="-127"/>
             </a:endParaRPr>
           </a:p>
           <a:p>
@@ -5518,21 +5522,21 @@
             </a:pPr>
             <a:r>
               <a:rPr lang="en-US" altLang="ko-KR" sz="2200" dirty="0">
-                <a:latin typeface="맑은 고딕" panose="020B0503020000020004" pitchFamily="50" charset="-127"/>
-                <a:ea typeface="맑은 고딕" panose="020B0503020000020004" pitchFamily="50" charset="-127"/>
+                <a:latin typeface="굵은굴림체" panose="02030600000101010101" pitchFamily="18" charset="-127"/>
+                <a:ea typeface="굵은굴림체" panose="02030600000101010101" pitchFamily="18" charset="-127"/>
               </a:rPr>
               <a:t>2016920024 </a:t>
             </a:r>
             <a:r>
               <a:rPr lang="ko-KR" altLang="en-US" sz="2200" dirty="0">
-                <a:latin typeface="맑은 고딕" panose="020B0503020000020004" pitchFamily="50" charset="-127"/>
-                <a:ea typeface="맑은 고딕" panose="020B0503020000020004" pitchFamily="50" charset="-127"/>
+                <a:latin typeface="굵은굴림체" panose="02030600000101010101" pitchFamily="18" charset="-127"/>
+                <a:ea typeface="굵은굴림체" panose="02030600000101010101" pitchFamily="18" charset="-127"/>
               </a:rPr>
               <a:t>엄현식</a:t>
             </a:r>
             <a:endParaRPr lang="en-US" altLang="ko-KR" sz="2200" dirty="0">
-              <a:latin typeface="맑은 고딕" panose="020B0503020000020004" pitchFamily="50" charset="-127"/>
-              <a:ea typeface="맑은 고딕" panose="020B0503020000020004" pitchFamily="50" charset="-127"/>
+              <a:latin typeface="굵은굴림체" panose="02030600000101010101" pitchFamily="18" charset="-127"/>
+              <a:ea typeface="굵은굴림체" panose="02030600000101010101" pitchFamily="18" charset="-127"/>
             </a:endParaRPr>
           </a:p>
           <a:p>
@@ -5543,21 +5547,21 @@
             </a:pPr>
             <a:r>
               <a:rPr lang="en-US" altLang="ko-KR" sz="2200" dirty="0">
-                <a:latin typeface="맑은 고딕" panose="020B0503020000020004" pitchFamily="50" charset="-127"/>
-                <a:ea typeface="맑은 고딕" panose="020B0503020000020004" pitchFamily="50" charset="-127"/>
+                <a:latin typeface="굵은굴림체" panose="02030600000101010101" pitchFamily="18" charset="-127"/>
+                <a:ea typeface="굵은굴림체" panose="02030600000101010101" pitchFamily="18" charset="-127"/>
               </a:rPr>
               <a:t>2016920030 </a:t>
             </a:r>
             <a:r>
               <a:rPr lang="ko-KR" altLang="en-US" sz="2200" dirty="0" err="1">
-                <a:latin typeface="맑은 고딕" panose="020B0503020000020004" pitchFamily="50" charset="-127"/>
-                <a:ea typeface="맑은 고딕" panose="020B0503020000020004" pitchFamily="50" charset="-127"/>
+                <a:latin typeface="굵은굴림체" panose="02030600000101010101" pitchFamily="18" charset="-127"/>
+                <a:ea typeface="굵은굴림체" panose="02030600000101010101" pitchFamily="18" charset="-127"/>
               </a:rPr>
               <a:t>이근희</a:t>
             </a:r>
             <a:endParaRPr lang="ko-KR" altLang="en-US" sz="2200" dirty="0">
-              <a:latin typeface="맑은 고딕" panose="020B0503020000020004" pitchFamily="50" charset="-127"/>
-              <a:ea typeface="맑은 고딕" panose="020B0503020000020004" pitchFamily="50" charset="-127"/>
+              <a:latin typeface="굵은굴림체" panose="02030600000101010101" pitchFamily="18" charset="-127"/>
+              <a:ea typeface="굵은굴림체" panose="02030600000101010101" pitchFamily="18" charset="-127"/>
             </a:endParaRPr>
           </a:p>
         </p:txBody>
@@ -5844,21 +5848,21 @@
             <a:pPr algn="ctr"/>
             <a:r>
               <a:rPr lang="en-US" altLang="ko-KR" sz="3600" dirty="0">
-                <a:latin typeface="맑은 고딕" panose="020B0503020000020004" pitchFamily="50" charset="-127"/>
-                <a:ea typeface="맑은 고딕" panose="020B0503020000020004" pitchFamily="50" charset="-127"/>
+                <a:latin typeface="굵은굴림체" panose="02030600000101010101" pitchFamily="18" charset="-127"/>
+                <a:ea typeface="굵은굴림체" panose="02030600000101010101" pitchFamily="18" charset="-127"/>
               </a:rPr>
               <a:t>2</a:t>
             </a:r>
             <a:r>
               <a:rPr lang="ko-KR" altLang="en-US" sz="3600" dirty="0">
-                <a:latin typeface="맑은 고딕" panose="020B0503020000020004" pitchFamily="50" charset="-127"/>
-                <a:ea typeface="맑은 고딕" panose="020B0503020000020004" pitchFamily="50" charset="-127"/>
+                <a:latin typeface="굵은굴림체" panose="02030600000101010101" pitchFamily="18" charset="-127"/>
+                <a:ea typeface="굵은굴림체" panose="02030600000101010101" pitchFamily="18" charset="-127"/>
               </a:rPr>
               <a:t>조</a:t>
             </a:r>
             <a:endParaRPr lang="en-US" altLang="ko-KR" sz="3600" dirty="0">
-              <a:latin typeface="맑은 고딕" panose="020B0503020000020004" pitchFamily="50" charset="-127"/>
-              <a:ea typeface="맑은 고딕" panose="020B0503020000020004" pitchFamily="50" charset="-127"/>
+              <a:latin typeface="굵은굴림체" panose="02030600000101010101" pitchFamily="18" charset="-127"/>
+              <a:ea typeface="굵은굴림체" panose="02030600000101010101" pitchFamily="18" charset="-127"/>
             </a:endParaRPr>
           </a:p>
         </p:txBody>
@@ -6936,22 +6940,22 @@
           <a:p>
             <a:r>
               <a:rPr lang="ko-KR" altLang="en-US" dirty="0">
-                <a:latin typeface="맑은 고딕" panose="020B0503020000020004" pitchFamily="50" charset="-127"/>
-                <a:ea typeface="맑은 고딕" panose="020B0503020000020004" pitchFamily="50" charset="-127"/>
+                <a:latin typeface="굵은굴림체" panose="02030600000101010101" pitchFamily="18" charset="-127"/>
+                <a:ea typeface="굵은굴림체" panose="02030600000101010101" pitchFamily="18" charset="-127"/>
               </a:rPr>
               <a:t>분석</a:t>
             </a:r>
             <a:r>
               <a:rPr lang="en-US" altLang="ko-KR" dirty="0">
-                <a:latin typeface="맑은 고딕" panose="020B0503020000020004" pitchFamily="50" charset="-127"/>
-                <a:ea typeface="맑은 고딕" panose="020B0503020000020004" pitchFamily="50" charset="-127"/>
+                <a:latin typeface="굵은굴림체" panose="02030600000101010101" pitchFamily="18" charset="-127"/>
+                <a:ea typeface="굵은굴림체" panose="02030600000101010101" pitchFamily="18" charset="-127"/>
               </a:rPr>
               <a:t>(1) – </a:t>
             </a:r>
             <a:r>
               <a:rPr lang="ko-KR" altLang="en-US" dirty="0">
-                <a:latin typeface="맑은 고딕" panose="020B0503020000020004" pitchFamily="50" charset="-127"/>
-                <a:ea typeface="맑은 고딕" panose="020B0503020000020004" pitchFamily="50" charset="-127"/>
+                <a:latin typeface="굵은굴림체" panose="02030600000101010101" pitchFamily="18" charset="-127"/>
+                <a:ea typeface="굵은굴림체" panose="02030600000101010101" pitchFamily="18" charset="-127"/>
               </a:rPr>
               <a:t>지역구 클러스터링</a:t>
             </a:r>
@@ -7032,11 +7036,11 @@
             </a:pPr>
             <a:r>
               <a:rPr lang="ko-KR" altLang="en-US" dirty="0"/>
-              <a:t>지역구별 임대시세 </a:t>
+              <a:t>지역구별 임대시세</a:t>
             </a:r>
             <a:r>
               <a:rPr lang="en-US" altLang="ko-KR" dirty="0"/>
-              <a:t>– </a:t>
+              <a:t>-</a:t>
             </a:r>
             <a:r>
               <a:rPr lang="ko-KR" altLang="en-US" dirty="0"/>
@@ -7336,7 +7340,10 @@
               <a:buNone/>
             </a:pPr>
             <a:r>
-              <a:rPr lang="ko-KR" altLang="en-US" dirty="0"/>
+              <a:rPr lang="ko-KR" altLang="en-US" dirty="0">
+                <a:latin typeface="굵은굴림체" panose="02030600000101010101" pitchFamily="18" charset="-127"/>
+                <a:ea typeface="굵은굴림체" panose="02030600000101010101" pitchFamily="18" charset="-127"/>
+              </a:rPr>
               <a:t>클러스터링</a:t>
             </a:r>
           </a:p>
@@ -7344,10 +7351,10 @@
       </p:sp>
       <p:pic>
         <p:nvPicPr>
-          <p:cNvPr id="11" name="그림 10">
+          <p:cNvPr id="4" name="그림 3">
             <a:extLst>
               <a:ext uri="{FF2B5EF4-FFF2-40B4-BE49-F238E27FC236}">
-                <a16:creationId xmlns:a16="http://schemas.microsoft.com/office/drawing/2014/main" id="{831CFC74-407E-4037-AECF-8482DD42261B}"/>
+                <a16:creationId xmlns:a16="http://schemas.microsoft.com/office/drawing/2014/main" id="{6BA597A4-6614-4A7A-8E48-D2480123964D}"/>
               </a:ext>
             </a:extLst>
           </p:cNvPr>
@@ -7364,8 +7371,8 @@
         </p:blipFill>
         <p:spPr>
           <a:xfrm>
-            <a:off x="5140578" y="1508385"/>
-            <a:ext cx="3432148" cy="2520000"/>
+            <a:off x="615084" y="1361658"/>
+            <a:ext cx="3736419" cy="2796476"/>
           </a:xfrm>
           <a:prstGeom prst="rect">
             <a:avLst/>
@@ -7374,10 +7381,10 @@
       </p:pic>
       <p:pic>
         <p:nvPicPr>
-          <p:cNvPr id="6" name="그림 5">
+          <p:cNvPr id="7" name="그림 6">
             <a:extLst>
               <a:ext uri="{FF2B5EF4-FFF2-40B4-BE49-F238E27FC236}">
-                <a16:creationId xmlns:a16="http://schemas.microsoft.com/office/drawing/2014/main" id="{66DFEF21-F854-4B45-9C2F-7C69819023E3}"/>
+                <a16:creationId xmlns:a16="http://schemas.microsoft.com/office/drawing/2014/main" id="{0B68356A-30B7-47A9-8C8B-2BE224A29DC8}"/>
               </a:ext>
             </a:extLst>
           </p:cNvPr>
@@ -7386,15 +7393,16 @@
           </p:cNvPicPr>
           <p:nvPr/>
         </p:nvPicPr>
-        <p:blipFill rotWithShape="1">
+        <p:blipFill>
           <a:blip r:embed="rId4"/>
-          <a:srcRect l="2652" t="18259" r="7180" b="4094"/>
-          <a:stretch/>
+          <a:stretch>
+            <a:fillRect/>
+          </a:stretch>
         </p:blipFill>
         <p:spPr>
           <a:xfrm>
-            <a:off x="752849" y="1535250"/>
-            <a:ext cx="3460890" cy="2622884"/>
+            <a:off x="5035896" y="1370580"/>
+            <a:ext cx="4069579" cy="2796475"/>
           </a:xfrm>
           <a:prstGeom prst="rect">
             <a:avLst/>
@@ -8368,35 +8376,35 @@
           <a:p>
             <a:r>
               <a:rPr lang="ko-KR" altLang="en-US" dirty="0">
-                <a:latin typeface="맑은 고딕" panose="020B0503020000020004" pitchFamily="50" charset="-127"/>
-                <a:ea typeface="맑은 고딕" panose="020B0503020000020004" pitchFamily="50" charset="-127"/>
+                <a:latin typeface="굵은굴림체" panose="02030600000101010101" pitchFamily="18" charset="-127"/>
+                <a:ea typeface="굵은굴림체" panose="02030600000101010101" pitchFamily="18" charset="-127"/>
               </a:rPr>
               <a:t>분석</a:t>
             </a:r>
             <a:r>
               <a:rPr lang="en-US" altLang="ko-KR" dirty="0">
-                <a:latin typeface="맑은 고딕" panose="020B0503020000020004" pitchFamily="50" charset="-127"/>
-                <a:ea typeface="맑은 고딕" panose="020B0503020000020004" pitchFamily="50" charset="-127"/>
+                <a:latin typeface="굵은굴림체" panose="02030600000101010101" pitchFamily="18" charset="-127"/>
+                <a:ea typeface="굵은굴림체" panose="02030600000101010101" pitchFamily="18" charset="-127"/>
               </a:rPr>
               <a:t>(2) – </a:t>
             </a:r>
             <a:r>
               <a:rPr lang="ko-KR" altLang="en-US" dirty="0">
-                <a:latin typeface="맑은 고딕" panose="020B0503020000020004" pitchFamily="50" charset="-127"/>
-                <a:ea typeface="맑은 고딕" panose="020B0503020000020004" pitchFamily="50" charset="-127"/>
+                <a:latin typeface="굵은굴림체" panose="02030600000101010101" pitchFamily="18" charset="-127"/>
+                <a:ea typeface="굵은굴림체" panose="02030600000101010101" pitchFamily="18" charset="-127"/>
               </a:rPr>
               <a:t>중요 요인 분석</a:t>
             </a:r>
             <a:r>
               <a:rPr lang="en-US" altLang="ko-KR" dirty="0">
-                <a:latin typeface="맑은 고딕" panose="020B0503020000020004" pitchFamily="50" charset="-127"/>
-                <a:ea typeface="맑은 고딕" panose="020B0503020000020004" pitchFamily="50" charset="-127"/>
+                <a:latin typeface="굵은굴림체" panose="02030600000101010101" pitchFamily="18" charset="-127"/>
+                <a:ea typeface="굵은굴림체" panose="02030600000101010101" pitchFamily="18" charset="-127"/>
               </a:rPr>
               <a:t> </a:t>
             </a:r>
             <a:endParaRPr lang="ko-KR" altLang="en-US" dirty="0">
-              <a:latin typeface="맑은 고딕" panose="020B0503020000020004" pitchFamily="50" charset="-127"/>
-              <a:ea typeface="맑은 고딕" panose="020B0503020000020004" pitchFamily="50" charset="-127"/>
+              <a:latin typeface="굵은굴림체" panose="02030600000101010101" pitchFamily="18" charset="-127"/>
+              <a:ea typeface="굵은굴림체" panose="02030600000101010101" pitchFamily="18" charset="-127"/>
             </a:endParaRPr>
           </a:p>
         </p:txBody>
@@ -8508,8 +8516,8 @@
         </p:nvSpPr>
         <p:spPr>
           <a:xfrm>
-            <a:off x="3976313" y="1524148"/>
-            <a:ext cx="3427468" cy="2095203"/>
+            <a:off x="3875074" y="1842879"/>
+            <a:ext cx="4237397" cy="2095203"/>
           </a:xfrm>
           <a:prstGeom prst="rect">
             <a:avLst/>
@@ -8775,35 +8783,59 @@
               <a:buSzPts val="2400"/>
             </a:pPr>
             <a:r>
-              <a:rPr lang="ko-KR" altLang="en-US" dirty="0"/>
+              <a:rPr lang="ko-KR" altLang="en-US" dirty="0">
+                <a:latin typeface="굵은굴림체" panose="02030600000101010101" pitchFamily="18" charset="-127"/>
+                <a:ea typeface="굵은굴림체" panose="02030600000101010101" pitchFamily="18" charset="-127"/>
+              </a:rPr>
               <a:t>주거인구 </a:t>
             </a:r>
             <a:r>
-              <a:rPr lang="en-US" altLang="ko-KR" dirty="0"/>
+              <a:rPr lang="en-US" altLang="ko-KR" dirty="0">
+                <a:latin typeface="굵은굴림체" panose="02030600000101010101" pitchFamily="18" charset="-127"/>
+                <a:ea typeface="굵은굴림체" panose="02030600000101010101" pitchFamily="18" charset="-127"/>
+              </a:rPr>
               <a:t>(</a:t>
             </a:r>
             <a:r>
-              <a:rPr lang="ko-KR" altLang="en-US" dirty="0"/>
+              <a:rPr lang="ko-KR" altLang="en-US" dirty="0">
+                <a:latin typeface="굵은굴림체" panose="02030600000101010101" pitchFamily="18" charset="-127"/>
+                <a:ea typeface="굵은굴림체" panose="02030600000101010101" pitchFamily="18" charset="-127"/>
+              </a:rPr>
               <a:t>남</a:t>
             </a:r>
             <a:r>
-              <a:rPr lang="en-US" altLang="ko-KR" dirty="0"/>
+              <a:rPr lang="en-US" altLang="ko-KR" dirty="0">
+                <a:latin typeface="굵은굴림체" panose="02030600000101010101" pitchFamily="18" charset="-127"/>
+                <a:ea typeface="굵은굴림체" panose="02030600000101010101" pitchFamily="18" charset="-127"/>
+              </a:rPr>
               <a:t>, </a:t>
             </a:r>
             <a:r>
-              <a:rPr lang="ko-KR" altLang="en-US" dirty="0"/>
+              <a:rPr lang="ko-KR" altLang="en-US" dirty="0">
+                <a:latin typeface="굵은굴림체" panose="02030600000101010101" pitchFamily="18" charset="-127"/>
+                <a:ea typeface="굵은굴림체" panose="02030600000101010101" pitchFamily="18" charset="-127"/>
+              </a:rPr>
               <a:t>여</a:t>
             </a:r>
             <a:r>
-              <a:rPr lang="en-US" altLang="ko-KR" dirty="0"/>
+              <a:rPr lang="en-US" altLang="ko-KR" dirty="0">
+                <a:latin typeface="굵은굴림체" panose="02030600000101010101" pitchFamily="18" charset="-127"/>
+                <a:ea typeface="굵은굴림체" panose="02030600000101010101" pitchFamily="18" charset="-127"/>
+              </a:rPr>
               <a:t>, </a:t>
             </a:r>
             <a:r>
-              <a:rPr lang="ko-KR" altLang="en-US" dirty="0"/>
+              <a:rPr lang="ko-KR" altLang="en-US" dirty="0">
+                <a:latin typeface="굵은굴림체" panose="02030600000101010101" pitchFamily="18" charset="-127"/>
+                <a:ea typeface="굵은굴림체" panose="02030600000101010101" pitchFamily="18" charset="-127"/>
+              </a:rPr>
               <a:t>연령별</a:t>
             </a:r>
             <a:r>
-              <a:rPr lang="en-US" altLang="ko-KR" dirty="0"/>
+              <a:rPr lang="en-US" altLang="ko-KR" dirty="0">
+                <a:latin typeface="굵은굴림체" panose="02030600000101010101" pitchFamily="18" charset="-127"/>
+                <a:ea typeface="굵은굴림체" panose="02030600000101010101" pitchFamily="18" charset="-127"/>
+              </a:rPr>
               <a:t>)</a:t>
             </a:r>
           </a:p>
@@ -8812,44 +8844,96 @@
               <a:buSzPts val="2400"/>
             </a:pPr>
             <a:r>
-              <a:rPr lang="ko-KR" altLang="en-US" dirty="0"/>
+              <a:rPr lang="ko-KR" altLang="en-US" dirty="0">
+                <a:latin typeface="굵은굴림체" panose="02030600000101010101" pitchFamily="18" charset="-127"/>
+                <a:ea typeface="굵은굴림체" panose="02030600000101010101" pitchFamily="18" charset="-127"/>
+              </a:rPr>
               <a:t>가구원별 </a:t>
             </a:r>
             <a:r>
-              <a:rPr lang="ko-KR" altLang="en-US" dirty="0" err="1"/>
+              <a:rPr lang="ko-KR" altLang="en-US" dirty="0" err="1">
+                <a:latin typeface="굵은굴림체" panose="02030600000101010101" pitchFamily="18" charset="-127"/>
+                <a:ea typeface="굵은굴림체" panose="02030600000101010101" pitchFamily="18" charset="-127"/>
+              </a:rPr>
               <a:t>세대수</a:t>
             </a:r>
-            <a:endParaRPr lang="en-US" altLang="ko-KR" dirty="0"/>
+            <a:endParaRPr lang="en-US" altLang="ko-KR" dirty="0">
+              <a:latin typeface="굵은굴림체" panose="02030600000101010101" pitchFamily="18" charset="-127"/>
+              <a:ea typeface="굵은굴림체" panose="02030600000101010101" pitchFamily="18" charset="-127"/>
+            </a:endParaRPr>
           </a:p>
           <a:p>
             <a:pPr indent="-381000">
               <a:buSzPts val="2400"/>
             </a:pPr>
             <a:r>
-              <a:rPr lang="ko-KR" altLang="en-US" dirty="0"/>
+              <a:rPr lang="ko-KR" altLang="en-US" dirty="0">
+                <a:latin typeface="굵은굴림체" panose="02030600000101010101" pitchFamily="18" charset="-127"/>
+                <a:ea typeface="굵은굴림체" panose="02030600000101010101" pitchFamily="18" charset="-127"/>
+              </a:rPr>
               <a:t>생활인구</a:t>
             </a:r>
-            <a:endParaRPr lang="en-US" altLang="ko-KR" dirty="0"/>
+            <a:endParaRPr lang="en-US" altLang="ko-KR" dirty="0">
+              <a:latin typeface="굵은굴림체" panose="02030600000101010101" pitchFamily="18" charset="-127"/>
+              <a:ea typeface="굵은굴림체" panose="02030600000101010101" pitchFamily="18" charset="-127"/>
+            </a:endParaRPr>
           </a:p>
           <a:p>
             <a:pPr indent="-381000">
               <a:buSzPts val="2400"/>
             </a:pPr>
             <a:r>
-              <a:rPr lang="ko-KR" altLang="en-US" dirty="0"/>
+              <a:rPr lang="ko-KR" altLang="en-US" dirty="0">
+                <a:latin typeface="굵은굴림체" panose="02030600000101010101" pitchFamily="18" charset="-127"/>
+                <a:ea typeface="굵은굴림체" panose="02030600000101010101" pitchFamily="18" charset="-127"/>
+              </a:rPr>
               <a:t>직장인구</a:t>
             </a:r>
-            <a:endParaRPr lang="en-US" altLang="ko-KR" dirty="0"/>
+            <a:endParaRPr lang="en-US" altLang="ko-KR" dirty="0">
+              <a:latin typeface="굵은굴림체" panose="02030600000101010101" pitchFamily="18" charset="-127"/>
+              <a:ea typeface="굵은굴림체" panose="02030600000101010101" pitchFamily="18" charset="-127"/>
+            </a:endParaRPr>
           </a:p>
           <a:p>
             <a:pPr indent="-381000">
               <a:buSzPts val="2400"/>
             </a:pPr>
             <a:r>
-              <a:rPr lang="ko-KR" altLang="en-US" dirty="0"/>
+              <a:rPr lang="ko-KR" altLang="en-US" dirty="0">
+                <a:latin typeface="굵은굴림체" panose="02030600000101010101" pitchFamily="18" charset="-127"/>
+                <a:ea typeface="굵은굴림체" panose="02030600000101010101" pitchFamily="18" charset="-127"/>
+              </a:rPr>
               <a:t>외국인 인구</a:t>
             </a:r>
-            <a:endParaRPr lang="en-US" altLang="ko-KR" dirty="0"/>
+            <a:endParaRPr lang="en-US" altLang="ko-KR" dirty="0">
+              <a:latin typeface="굵은굴림체" panose="02030600000101010101" pitchFamily="18" charset="-127"/>
+              <a:ea typeface="굵은굴림체" panose="02030600000101010101" pitchFamily="18" charset="-127"/>
+            </a:endParaRPr>
+          </a:p>
+          <a:p>
+            <a:pPr indent="-381000">
+              <a:buSzPts val="2400"/>
+            </a:pPr>
+            <a:r>
+              <a:rPr lang="ko-KR" altLang="en-US" dirty="0">
+                <a:latin typeface="굵은굴림체" panose="02030600000101010101" pitchFamily="18" charset="-127"/>
+                <a:ea typeface="굵은굴림체" panose="02030600000101010101" pitchFamily="18" charset="-127"/>
+              </a:rPr>
+              <a:t>평균 소득</a:t>
+            </a:r>
+            <a:endParaRPr lang="en-US" altLang="ko-KR" dirty="0">
+              <a:latin typeface="굵은굴림체" panose="02030600000101010101" pitchFamily="18" charset="-127"/>
+              <a:ea typeface="굵은굴림체" panose="02030600000101010101" pitchFamily="18" charset="-127"/>
+            </a:endParaRPr>
+          </a:p>
+          <a:p>
+            <a:pPr indent="-381000">
+              <a:buSzPts val="2400"/>
+            </a:pPr>
+            <a:endParaRPr lang="en-US" altLang="ko-KR" dirty="0">
+              <a:latin typeface="굵은굴림체" panose="02030600000101010101" pitchFamily="18" charset="-127"/>
+              <a:ea typeface="굵은굴림체" panose="02030600000101010101" pitchFamily="18" charset="-127"/>
+            </a:endParaRPr>
           </a:p>
         </p:txBody>
       </p:sp>
@@ -8869,8 +8953,8 @@
         </p:nvSpPr>
         <p:spPr>
           <a:xfrm>
-            <a:off x="6362602" y="2272518"/>
-            <a:ext cx="2364230" cy="2095203"/>
+            <a:off x="6306036" y="2663229"/>
+            <a:ext cx="2525089" cy="2095203"/>
           </a:xfrm>
           <a:prstGeom prst="rect">
             <a:avLst/>
@@ -9136,62 +9220,82 @@
               <a:buSzPts val="2400"/>
             </a:pPr>
             <a:r>
-              <a:rPr lang="ko-KR" altLang="en-US" dirty="0"/>
-              <a:t>평균 소득</a:t>
+              <a:rPr lang="ko-KR" altLang="en-US" dirty="0">
+                <a:latin typeface="굵은굴림체" panose="02030600000101010101" pitchFamily="18" charset="-127"/>
+                <a:ea typeface="굵은굴림체" panose="02030600000101010101" pitchFamily="18" charset="-127"/>
+              </a:rPr>
+              <a:t>편의점 수</a:t>
             </a:r>
-            <a:endParaRPr lang="en-US" altLang="ko-KR" dirty="0"/>
+            <a:endParaRPr lang="en-US" altLang="ko-KR" dirty="0">
+              <a:latin typeface="굵은굴림체" panose="02030600000101010101" pitchFamily="18" charset="-127"/>
+              <a:ea typeface="굵은굴림체" panose="02030600000101010101" pitchFamily="18" charset="-127"/>
+            </a:endParaRPr>
           </a:p>
           <a:p>
             <a:pPr indent="-381000">
               <a:buSzPts val="2400"/>
             </a:pPr>
             <a:r>
-              <a:rPr lang="ko-KR" altLang="en-US" dirty="0"/>
-              <a:t>편의점 수</a:t>
+              <a:rPr lang="ko-KR" altLang="en-US" dirty="0">
+                <a:latin typeface="굵은굴림체" panose="02030600000101010101" pitchFamily="18" charset="-127"/>
+                <a:ea typeface="굵은굴림체" panose="02030600000101010101" pitchFamily="18" charset="-127"/>
+              </a:rPr>
+              <a:t>대규모 점포 수</a:t>
             </a:r>
-            <a:endParaRPr lang="en-US" altLang="ko-KR" dirty="0"/>
+            <a:endParaRPr lang="en-US" altLang="ko-KR" dirty="0">
+              <a:latin typeface="굵은굴림체" panose="02030600000101010101" pitchFamily="18" charset="-127"/>
+              <a:ea typeface="굵은굴림체" panose="02030600000101010101" pitchFamily="18" charset="-127"/>
+            </a:endParaRPr>
           </a:p>
           <a:p>
             <a:pPr indent="-381000">
               <a:buSzPts val="2400"/>
             </a:pPr>
             <a:r>
-              <a:rPr lang="ko-KR" altLang="en-US" dirty="0"/>
-              <a:t>대규모 점포 수</a:t>
+              <a:rPr lang="ko-KR" altLang="en-US" dirty="0">
+                <a:latin typeface="굵은굴림체" panose="02030600000101010101" pitchFamily="18" charset="-127"/>
+                <a:ea typeface="굵은굴림체" panose="02030600000101010101" pitchFamily="18" charset="-127"/>
+              </a:rPr>
+              <a:t>지하철역 수</a:t>
             </a:r>
-            <a:endParaRPr lang="en-US" altLang="ko-KR" dirty="0"/>
+            <a:endParaRPr lang="en-US" altLang="ko-KR" dirty="0">
+              <a:latin typeface="굵은굴림체" panose="02030600000101010101" pitchFamily="18" charset="-127"/>
+              <a:ea typeface="굵은굴림체" panose="02030600000101010101" pitchFamily="18" charset="-127"/>
+            </a:endParaRPr>
           </a:p>
           <a:p>
             <a:pPr indent="-381000">
               <a:buSzPts val="2400"/>
             </a:pPr>
             <a:r>
-              <a:rPr lang="ko-KR" altLang="en-US" dirty="0"/>
-              <a:t>지하철역 수</a:t>
+              <a:rPr lang="ko-KR" altLang="en-US" dirty="0">
+                <a:latin typeface="굵은굴림체" panose="02030600000101010101" pitchFamily="18" charset="-127"/>
+                <a:ea typeface="굵은굴림체" panose="02030600000101010101" pitchFamily="18" charset="-127"/>
+              </a:rPr>
+              <a:t>임대시세</a:t>
             </a:r>
-            <a:endParaRPr lang="en-US" altLang="ko-KR" dirty="0"/>
+            <a:endParaRPr lang="en-US" altLang="ko-KR" dirty="0">
+              <a:latin typeface="굵은굴림체" panose="02030600000101010101" pitchFamily="18" charset="-127"/>
+              <a:ea typeface="굵은굴림체" panose="02030600000101010101" pitchFamily="18" charset="-127"/>
+            </a:endParaRPr>
           </a:p>
           <a:p>
             <a:pPr indent="-381000">
               <a:buSzPts val="2400"/>
             </a:pPr>
-            <a:r>
-              <a:rPr lang="ko-KR" altLang="en-US" dirty="0"/>
-              <a:t>임대시세</a:t>
-            </a:r>
-            <a:endParaRPr lang="en-US" altLang="ko-KR" dirty="0"/>
+            <a:endParaRPr lang="en-US" altLang="ko-KR" dirty="0">
+              <a:latin typeface="굵은굴림체" panose="02030600000101010101" pitchFamily="18" charset="-127"/>
+              <a:ea typeface="굵은굴림체" panose="02030600000101010101" pitchFamily="18" charset="-127"/>
+            </a:endParaRPr>
           </a:p>
           <a:p>
             <a:pPr indent="-381000">
               <a:buSzPts val="2400"/>
             </a:pPr>
-            <a:endParaRPr lang="en-US" altLang="ko-KR" dirty="0"/>
-          </a:p>
-          <a:p>
-            <a:pPr indent="-381000">
-              <a:buSzPts val="2400"/>
-            </a:pPr>
-            <a:endParaRPr lang="en-US" altLang="ko-KR" dirty="0"/>
+            <a:endParaRPr lang="en-US" altLang="ko-KR" dirty="0">
+              <a:latin typeface="굵은굴림체" panose="02030600000101010101" pitchFamily="18" charset="-127"/>
+              <a:ea typeface="굵은굴림체" panose="02030600000101010101" pitchFamily="18" charset="-127"/>
+            </a:endParaRPr>
           </a:p>
         </p:txBody>
       </p:sp>
@@ -9536,22 +9640,22 @@
           <a:p>
             <a:r>
               <a:rPr lang="ko-KR" altLang="en-US" dirty="0">
-                <a:latin typeface="맑은 고딕" panose="020B0503020000020004" pitchFamily="50" charset="-127"/>
-                <a:ea typeface="맑은 고딕" panose="020B0503020000020004" pitchFamily="50" charset="-127"/>
+                <a:latin typeface="굵은굴림체" panose="02030600000101010101" pitchFamily="18" charset="-127"/>
+                <a:ea typeface="굵은굴림체" panose="02030600000101010101" pitchFamily="18" charset="-127"/>
               </a:rPr>
               <a:t>추천 </a:t>
             </a:r>
             <a:r>
               <a:rPr lang="en-US" altLang="ko-KR" dirty="0">
-                <a:latin typeface="맑은 고딕" panose="020B0503020000020004" pitchFamily="50" charset="-127"/>
-                <a:ea typeface="맑은 고딕" panose="020B0503020000020004" pitchFamily="50" charset="-127"/>
+                <a:latin typeface="굵은굴림체" panose="02030600000101010101" pitchFamily="18" charset="-127"/>
+                <a:ea typeface="굵은굴림체" panose="02030600000101010101" pitchFamily="18" charset="-127"/>
               </a:rPr>
               <a:t>– </a:t>
             </a:r>
             <a:r>
               <a:rPr lang="ko-KR" altLang="en-US" dirty="0">
-                <a:latin typeface="맑은 고딕" panose="020B0503020000020004" pitchFamily="50" charset="-127"/>
-                <a:ea typeface="맑은 고딕" panose="020B0503020000020004" pitchFamily="50" charset="-127"/>
+                <a:latin typeface="굵은굴림체" panose="02030600000101010101" pitchFamily="18" charset="-127"/>
+                <a:ea typeface="굵은굴림체" panose="02030600000101010101" pitchFamily="18" charset="-127"/>
               </a:rPr>
               <a:t>최적 행정동 추천</a:t>
             </a:r>
@@ -9619,8 +9723,8 @@
         </p:nvSpPr>
         <p:spPr>
           <a:xfrm>
-            <a:off x="856210" y="4073905"/>
-            <a:ext cx="2896984" cy="493500"/>
+            <a:off x="856209" y="4073905"/>
+            <a:ext cx="3028687" cy="493500"/>
           </a:xfrm>
         </p:spPr>
         <p:txBody>
@@ -9628,7 +9732,7 @@
           <a:lstStyle/>
           <a:p>
             <a:r>
-              <a:rPr lang="ko-KR" altLang="en-US" err="1"/>
+              <a:rPr lang="ko-KR" altLang="en-US" dirty="0" err="1"/>
               <a:t>행정동별</a:t>
             </a:r>
             <a:r>
@@ -9766,10 +9870,11 @@
             <a:lstStyle/>
             <a:p>
               <a:pPr algn="ctr"/>
-              <a:endParaRPr lang="ko-KR" altLang="en-US">
+              <a:endParaRPr lang="ko-KR" altLang="en-US" dirty="0">
                 <a:solidFill>
                   <a:schemeClr val="tx1"/>
                 </a:solidFill>
+                <a:ea typeface="굵은굴림체" panose="02030600000101010101" pitchFamily="18" charset="-127"/>
               </a:endParaRPr>
             </a:p>
           </p:txBody>
@@ -9824,10 +9929,11 @@
             <a:lstStyle/>
             <a:p>
               <a:pPr algn="ctr"/>
-              <a:endParaRPr lang="ko-KR" altLang="en-US">
+              <a:endParaRPr lang="ko-KR" altLang="en-US" dirty="0">
                 <a:solidFill>
                   <a:schemeClr val="tx1"/>
                 </a:solidFill>
+                <a:ea typeface="굵은굴림체" panose="02030600000101010101" pitchFamily="18" charset="-127"/>
               </a:endParaRPr>
             </a:p>
           </p:txBody>
@@ -9882,10 +9988,11 @@
             <a:lstStyle/>
             <a:p>
               <a:pPr algn="ctr"/>
-              <a:endParaRPr lang="ko-KR" altLang="en-US">
+              <a:endParaRPr lang="ko-KR" altLang="en-US" dirty="0">
                 <a:solidFill>
                   <a:schemeClr val="tx1"/>
                 </a:solidFill>
+                <a:ea typeface="굵은굴림체" panose="02030600000101010101" pitchFamily="18" charset="-127"/>
               </a:endParaRPr>
             </a:p>
           </p:txBody>
@@ -9940,10 +10047,11 @@
             <a:lstStyle/>
             <a:p>
               <a:pPr algn="ctr"/>
-              <a:endParaRPr lang="ko-KR" altLang="en-US">
+              <a:endParaRPr lang="ko-KR" altLang="en-US" dirty="0">
                 <a:solidFill>
                   <a:schemeClr val="tx1"/>
                 </a:solidFill>
+                <a:ea typeface="굵은굴림체" panose="02030600000101010101" pitchFamily="18" charset="-127"/>
               </a:endParaRPr>
             </a:p>
           </p:txBody>
@@ -10146,8 +10254,8 @@
         </p:nvGrpSpPr>
         <p:grpSpPr>
           <a:xfrm>
-            <a:off x="7931125" y="276058"/>
-            <a:ext cx="900000" cy="720000"/>
+            <a:off x="8074475" y="276057"/>
+            <a:ext cx="756650" cy="746471"/>
             <a:chOff x="3955900" y="2984500"/>
             <a:chExt cx="414000" cy="422525"/>
           </a:xfrm>
@@ -11587,18 +11695,30 @@
           </a:lstStyle>
           <a:p>
             <a:r>
-              <a:rPr lang="ko-KR" altLang="en-US" dirty="0" err="1"/>
+              <a:rPr lang="ko-KR" altLang="en-US" dirty="0" err="1">
+                <a:latin typeface="굵은굴림체" panose="02030600000101010101" pitchFamily="18" charset="-127"/>
+                <a:ea typeface="굵은굴림체" panose="02030600000101010101" pitchFamily="18" charset="-127"/>
+              </a:rPr>
               <a:t>행정동별</a:t>
             </a:r>
             <a:r>
-              <a:rPr lang="ko-KR" altLang="en-US" dirty="0"/>
+              <a:rPr lang="ko-KR" altLang="en-US" dirty="0">
+                <a:latin typeface="굵은굴림체" panose="02030600000101010101" pitchFamily="18" charset="-127"/>
+                <a:ea typeface="굵은굴림체" panose="02030600000101010101" pitchFamily="18" charset="-127"/>
+              </a:rPr>
               <a:t> 예상 </a:t>
             </a:r>
             <a:r>
-              <a:rPr lang="ko-KR" altLang="en-US" dirty="0" err="1"/>
+              <a:rPr lang="ko-KR" altLang="en-US" dirty="0" err="1">
+                <a:latin typeface="굵은굴림체" panose="02030600000101010101" pitchFamily="18" charset="-127"/>
+                <a:ea typeface="굵은굴림체" panose="02030600000101010101" pitchFamily="18" charset="-127"/>
+              </a:rPr>
               <a:t>폐업률</a:t>
             </a:r>
-            <a:endParaRPr lang="ko-KR" altLang="en-US" dirty="0"/>
+            <a:endParaRPr lang="ko-KR" altLang="en-US" dirty="0">
+              <a:latin typeface="굵은굴림체" panose="02030600000101010101" pitchFamily="18" charset="-127"/>
+              <a:ea typeface="굵은굴림체" panose="02030600000101010101" pitchFamily="18" charset="-127"/>
+            </a:endParaRPr>
           </a:p>
         </p:txBody>
       </p:sp>
@@ -11644,7 +11764,9 @@
           <a:lstStyle/>
           <a:p>
             <a:pPr algn="ctr"/>
-            <a:endParaRPr lang="ko-KR" altLang="en-US"/>
+            <a:endParaRPr lang="ko-KR" altLang="en-US" dirty="0">
+              <a:ea typeface="굵은굴림체" panose="02030600000101010101" pitchFamily="18" charset="-127"/>
+            </a:endParaRPr>
           </a:p>
         </p:txBody>
       </p:sp>
@@ -11959,22 +12081,22 @@
           <a:p>
             <a:r>
               <a:rPr lang="ko-KR" altLang="en-US" dirty="0">
-                <a:latin typeface="맑은 고딕" panose="020B0503020000020004" pitchFamily="50" charset="-127"/>
-                <a:ea typeface="맑은 고딕" panose="020B0503020000020004" pitchFamily="50" charset="-127"/>
+                <a:latin typeface="굵은굴림체" panose="02030600000101010101" pitchFamily="18" charset="-127"/>
+                <a:ea typeface="굵은굴림체" panose="02030600000101010101" pitchFamily="18" charset="-127"/>
               </a:rPr>
               <a:t>추천 </a:t>
             </a:r>
             <a:r>
               <a:rPr lang="en-US" altLang="ko-KR" dirty="0">
-                <a:latin typeface="맑은 고딕" panose="020B0503020000020004" pitchFamily="50" charset="-127"/>
-                <a:ea typeface="맑은 고딕" panose="020B0503020000020004" pitchFamily="50" charset="-127"/>
+                <a:latin typeface="굵은굴림체" panose="02030600000101010101" pitchFamily="18" charset="-127"/>
+                <a:ea typeface="굵은굴림체" panose="02030600000101010101" pitchFamily="18" charset="-127"/>
               </a:rPr>
               <a:t>– </a:t>
             </a:r>
             <a:r>
               <a:rPr lang="ko-KR" altLang="en-US" dirty="0">
-                <a:latin typeface="맑은 고딕" panose="020B0503020000020004" pitchFamily="50" charset="-127"/>
-                <a:ea typeface="맑은 고딕" panose="020B0503020000020004" pitchFamily="50" charset="-127"/>
+                <a:latin typeface="굵은굴림체" panose="02030600000101010101" pitchFamily="18" charset="-127"/>
+                <a:ea typeface="굵은굴림체" panose="02030600000101010101" pitchFamily="18" charset="-127"/>
               </a:rPr>
               <a:t>사용자 옵션</a:t>
             </a:r>
@@ -12384,16 +12506,25 @@
           </a:lstStyle>
           <a:p>
             <a:r>
-              <a:rPr lang="ko-KR" altLang="en-US" dirty="0"/>
+              <a:rPr lang="ko-KR" altLang="en-US" dirty="0">
+                <a:latin typeface="굵은굴림체" panose="02030600000101010101" pitchFamily="18" charset="-127"/>
+                <a:ea typeface="굵은굴림체" panose="02030600000101010101" pitchFamily="18" charset="-127"/>
+              </a:rPr>
               <a:t>매출</a:t>
             </a:r>
             <a:r>
-              <a:rPr lang="en-US" altLang="ko-KR" dirty="0"/>
+              <a:rPr lang="en-US" altLang="ko-KR" dirty="0">
+                <a:latin typeface="굵은굴림체" panose="02030600000101010101" pitchFamily="18" charset="-127"/>
+                <a:ea typeface="굵은굴림체" panose="02030600000101010101" pitchFamily="18" charset="-127"/>
+              </a:rPr>
               <a:t>-</a:t>
             </a:r>
             <a:r>
-              <a:rPr lang="ko-KR" altLang="en-US" dirty="0"/>
-              <a:t>폐업회피율</a:t>
+              <a:rPr lang="ko-KR" altLang="en-US" dirty="0">
+                <a:latin typeface="굵은굴림체" panose="02030600000101010101" pitchFamily="18" charset="-127"/>
+                <a:ea typeface="굵은굴림체" panose="02030600000101010101" pitchFamily="18" charset="-127"/>
+              </a:rPr>
+              <a:t>위험도</a:t>
             </a:r>
           </a:p>
         </p:txBody>
@@ -12678,7 +12809,10 @@
           </a:lstStyle>
           <a:p>
             <a:r>
-              <a:rPr lang="ko-KR" altLang="en-US" dirty="0"/>
+              <a:rPr lang="ko-KR" altLang="en-US" dirty="0">
+                <a:latin typeface="굵은굴림체" panose="02030600000101010101" pitchFamily="18" charset="-127"/>
+                <a:ea typeface="굵은굴림체" panose="02030600000101010101" pitchFamily="18" charset="-127"/>
+              </a:rPr>
               <a:t>임대시세</a:t>
             </a:r>
           </a:p>
@@ -12732,7 +12866,9 @@
           <a:lstStyle/>
           <a:p>
             <a:pPr algn="ctr"/>
-            <a:endParaRPr lang="ko-KR" altLang="en-US"/>
+            <a:endParaRPr lang="ko-KR" altLang="en-US" dirty="0">
+              <a:ea typeface="굵은굴림체" panose="02030600000101010101" pitchFamily="18" charset="-127"/>
+            </a:endParaRPr>
           </a:p>
         </p:txBody>
       </p:sp>
@@ -12785,7 +12921,9 @@
           <a:lstStyle/>
           <a:p>
             <a:pPr algn="ctr"/>
-            <a:endParaRPr lang="ko-KR" altLang="en-US" dirty="0"/>
+            <a:endParaRPr lang="ko-KR" altLang="en-US" dirty="0">
+              <a:ea typeface="굵은굴림체" panose="02030600000101010101" pitchFamily="18" charset="-127"/>
+            </a:endParaRPr>
           </a:p>
         </p:txBody>
       </p:sp>
@@ -12843,7 +12981,9 @@
           <a:lstStyle/>
           <a:p>
             <a:pPr algn="ctr"/>
-            <a:endParaRPr lang="ko-KR" altLang="en-US"/>
+            <a:endParaRPr lang="ko-KR" altLang="en-US" dirty="0">
+              <a:ea typeface="굵은굴림체" panose="02030600000101010101" pitchFamily="18" charset="-127"/>
+            </a:endParaRPr>
           </a:p>
         </p:txBody>
       </p:sp>
@@ -13137,14 +13277,14 @@
             </a:pPr>
             <a:r>
               <a:rPr lang="ko-KR" altLang="en-US" sz="1800" b="1" dirty="0">
-                <a:latin typeface="맑은 고딕" panose="020B0503020000020004" pitchFamily="50" charset="-127"/>
-                <a:ea typeface="맑은 고딕" panose="020B0503020000020004" pitchFamily="50" charset="-127"/>
+                <a:latin typeface="굵은굴림체" panose="02030600000101010101" pitchFamily="18" charset="-127"/>
+                <a:ea typeface="굵은굴림체" panose="02030600000101010101" pitchFamily="18" charset="-127"/>
               </a:rPr>
               <a:t>매출</a:t>
             </a:r>
             <a:endParaRPr lang="ko-KR" altLang="en-US" sz="1800" dirty="0">
-              <a:latin typeface="맑은 고딕" panose="020B0503020000020004" pitchFamily="50" charset="-127"/>
-              <a:ea typeface="맑은 고딕" panose="020B0503020000020004" pitchFamily="50" charset="-127"/>
+              <a:latin typeface="굵은굴림체" panose="02030600000101010101" pitchFamily="18" charset="-127"/>
+              <a:ea typeface="굵은굴림체" panose="02030600000101010101" pitchFamily="18" charset="-127"/>
             </a:endParaRPr>
           </a:p>
         </p:txBody>
@@ -13439,14 +13579,14 @@
             </a:pPr>
             <a:r>
               <a:rPr lang="ko-KR" altLang="en-US" sz="1800" b="1" dirty="0">
-                <a:latin typeface="맑은 고딕" panose="020B0503020000020004" pitchFamily="50" charset="-127"/>
-                <a:ea typeface="맑은 고딕" panose="020B0503020000020004" pitchFamily="50" charset="-127"/>
+                <a:latin typeface="굵은굴림체" panose="02030600000101010101" pitchFamily="18" charset="-127"/>
+                <a:ea typeface="굵은굴림체" panose="02030600000101010101" pitchFamily="18" charset="-127"/>
               </a:rPr>
-              <a:t>폐업회피율</a:t>
+              <a:t>위험도</a:t>
             </a:r>
             <a:endParaRPr lang="ko-KR" altLang="en-US" sz="1800" dirty="0">
-              <a:latin typeface="맑은 고딕" panose="020B0503020000020004" pitchFamily="50" charset="-127"/>
-              <a:ea typeface="맑은 고딕" panose="020B0503020000020004" pitchFamily="50" charset="-127"/>
+              <a:latin typeface="굵은굴림체" panose="02030600000101010101" pitchFamily="18" charset="-127"/>
+              <a:ea typeface="굵은굴림체" panose="02030600000101010101" pitchFamily="18" charset="-127"/>
             </a:endParaRPr>
           </a:p>
         </p:txBody>
@@ -13468,7 +13608,7 @@
         <p:spPr>
           <a:xfrm>
             <a:off x="3338291" y="2556632"/>
-            <a:ext cx="645611" cy="531888"/>
+            <a:ext cx="762893" cy="531888"/>
           </a:xfrm>
           <a:prstGeom prst="rect">
             <a:avLst/>
@@ -13744,8 +13884,8 @@
                 <a:solidFill>
                   <a:srgbClr val="454F5B"/>
                 </a:solidFill>
-                <a:latin typeface="맑은 고딕" panose="020B0503020000020004" pitchFamily="50" charset="-127"/>
-                <a:ea typeface="맑은 고딕" panose="020B0503020000020004" pitchFamily="50" charset="-127"/>
+                <a:latin typeface="굵은굴림체" panose="02030600000101010101" pitchFamily="18" charset="-127"/>
+                <a:ea typeface="굵은굴림체" panose="02030600000101010101" pitchFamily="18" charset="-127"/>
               </a:rPr>
               <a:t>65%</a:t>
             </a:r>
@@ -13753,8 +13893,8 @@
               <a:solidFill>
                 <a:srgbClr val="454F5B"/>
               </a:solidFill>
-              <a:latin typeface="맑은 고딕" panose="020B0503020000020004" pitchFamily="50" charset="-127"/>
-              <a:ea typeface="맑은 고딕" panose="020B0503020000020004" pitchFamily="50" charset="-127"/>
+              <a:latin typeface="굵은굴림체" panose="02030600000101010101" pitchFamily="18" charset="-127"/>
+              <a:ea typeface="굵은굴림체" panose="02030600000101010101" pitchFamily="18" charset="-127"/>
             </a:endParaRPr>
           </a:p>
         </p:txBody>
@@ -13775,8 +13915,8 @@
         </p:nvSpPr>
         <p:spPr>
           <a:xfrm>
-            <a:off x="5154009" y="2556632"/>
-            <a:ext cx="645611" cy="531888"/>
+            <a:off x="5036727" y="2556632"/>
+            <a:ext cx="762893" cy="531888"/>
           </a:xfrm>
           <a:prstGeom prst="rect">
             <a:avLst/>
@@ -14052,8 +14192,8 @@
                 <a:solidFill>
                   <a:srgbClr val="454F5B"/>
                 </a:solidFill>
-                <a:latin typeface="맑은 고딕" panose="020B0503020000020004" pitchFamily="50" charset="-127"/>
-                <a:ea typeface="맑은 고딕" panose="020B0503020000020004" pitchFamily="50" charset="-127"/>
+                <a:latin typeface="굵은굴림체" panose="02030600000101010101" pitchFamily="18" charset="-127"/>
+                <a:ea typeface="굵은굴림체" panose="02030600000101010101" pitchFamily="18" charset="-127"/>
               </a:rPr>
               <a:t>35%</a:t>
             </a:r>
@@ -14061,8 +14201,8 @@
               <a:solidFill>
                 <a:srgbClr val="454F5B"/>
               </a:solidFill>
-              <a:latin typeface="맑은 고딕" panose="020B0503020000020004" pitchFamily="50" charset="-127"/>
-              <a:ea typeface="맑은 고딕" panose="020B0503020000020004" pitchFamily="50" charset="-127"/>
+              <a:latin typeface="굵은굴림체" panose="02030600000101010101" pitchFamily="18" charset="-127"/>
+              <a:ea typeface="굵은굴림체" panose="02030600000101010101" pitchFamily="18" charset="-127"/>
             </a:endParaRPr>
           </a:p>
         </p:txBody>
@@ -14100,8 +14240,8 @@
                 <a:solidFill>
                   <a:srgbClr val="454F5B"/>
                 </a:solidFill>
-                <a:latin typeface="맑은 고딕" panose="020B0503020000020004" pitchFamily="50" charset="-127"/>
-                <a:ea typeface="맑은 고딕" panose="020B0503020000020004" pitchFamily="50" charset="-127"/>
+                <a:latin typeface="굵은굴림체" panose="02030600000101010101" pitchFamily="18" charset="-127"/>
+                <a:ea typeface="굵은굴림체" panose="02030600000101010101" pitchFamily="18" charset="-127"/>
                 <a:cs typeface="Montserrat"/>
                 <a:sym typeface="Montserrat"/>
               </a:rPr>
@@ -14165,7 +14305,9 @@
           <a:lstStyle/>
           <a:p>
             <a:pPr algn="ctr"/>
-            <a:endParaRPr lang="ko-KR" altLang="en-US"/>
+            <a:endParaRPr lang="ko-KR" altLang="en-US" dirty="0">
+              <a:ea typeface="굵은굴림체" panose="02030600000101010101" pitchFamily="18" charset="-127"/>
+            </a:endParaRPr>
           </a:p>
         </p:txBody>
       </p:sp>
@@ -14254,7 +14396,9 @@
           <a:lstStyle/>
           <a:p>
             <a:pPr algn="ctr"/>
-            <a:endParaRPr lang="ko-KR" altLang="en-US"/>
+            <a:endParaRPr lang="ko-KR" altLang="en-US" dirty="0">
+              <a:ea typeface="굵은굴림체" panose="02030600000101010101" pitchFamily="18" charset="-127"/>
+            </a:endParaRPr>
           </a:p>
         </p:txBody>
       </p:sp>
@@ -14327,18 +14471,18 @@
               <a:buChar char="▣"/>
             </a:pPr>
             <a:r>
-              <a:rPr lang="ko-KR" altLang="en-US" sz="1800" dirty="0"/>
+              <a:rPr lang="ko-KR" altLang="en-US" sz="2000" dirty="0"/>
               <a:t>전체 지역구</a:t>
             </a:r>
             <a:r>
-              <a:rPr lang="en-US" altLang="ko-KR" sz="1800" dirty="0"/>
+              <a:rPr lang="en-US" altLang="ko-KR" sz="2000" dirty="0"/>
               <a:t>, </a:t>
             </a:r>
             <a:r>
-              <a:rPr lang="ko-KR" altLang="en-US" sz="1800" dirty="0"/>
+              <a:rPr lang="ko-KR" altLang="en-US" sz="2000" dirty="0"/>
               <a:t>특정 지역구에 대한 편의점 창업의 </a:t>
             </a:r>
-            <a:endParaRPr lang="en-US" altLang="ko-KR" sz="1800" dirty="0"/>
+            <a:endParaRPr lang="en-US" altLang="ko-KR" sz="2000" dirty="0"/>
           </a:p>
           <a:p>
             <a:pPr marL="76200" lvl="0" indent="0" algn="l" rtl="0">
@@ -14355,22 +14499,22 @@
               <a:buNone/>
             </a:pPr>
             <a:r>
-              <a:rPr lang="en-US" altLang="ko-KR" sz="1800" dirty="0"/>
+              <a:rPr lang="en-US" altLang="ko-KR" sz="2000" dirty="0"/>
               <a:t>     </a:t>
             </a:r>
             <a:r>
-              <a:rPr lang="ko-KR" altLang="en-US" sz="1800" dirty="0"/>
+              <a:rPr lang="ko-KR" altLang="en-US" sz="2000" dirty="0"/>
               <a:t>수익성</a:t>
             </a:r>
             <a:r>
-              <a:rPr lang="en-US" altLang="ko-KR" sz="1800" dirty="0"/>
+              <a:rPr lang="en-US" altLang="ko-KR" sz="2000" dirty="0"/>
               <a:t>, </a:t>
             </a:r>
             <a:r>
-              <a:rPr lang="ko-KR" altLang="en-US" sz="1800" dirty="0"/>
+              <a:rPr lang="ko-KR" altLang="en-US" sz="2000" dirty="0"/>
               <a:t>위험도를 알고 싶을 때</a:t>
             </a:r>
-            <a:endParaRPr lang="en-US" altLang="ko-KR" sz="1800" dirty="0"/>
+            <a:endParaRPr lang="en-US" altLang="ko-KR" sz="2000" dirty="0"/>
           </a:p>
           <a:p>
             <a:pPr>
@@ -14382,10 +14526,10 @@
               </a:spcBef>
             </a:pPr>
             <a:r>
-              <a:rPr lang="ko-KR" altLang="en-US" sz="1800" dirty="0"/>
-              <a:t>희망하는 지역구에서의 추천하는 위치를 알고 싶을 때</a:t>
+              <a:rPr lang="ko-KR" altLang="en-US" sz="2000" dirty="0"/>
+              <a:t>희망하는 지역구에서의 추천하는 행정동을 알고 싶을 때</a:t>
             </a:r>
-            <a:endParaRPr lang="en-US" altLang="ko-KR" sz="1800" dirty="0"/>
+            <a:endParaRPr lang="en-US" altLang="ko-KR" sz="2000" dirty="0"/>
           </a:p>
         </p:txBody>
       </p:sp>
@@ -14405,7 +14549,7 @@
         </p:nvSpPr>
         <p:spPr>
           <a:xfrm>
-            <a:off x="1223780" y="3205088"/>
+            <a:off x="795175" y="3242769"/>
             <a:ext cx="7761600" cy="1409384"/>
           </a:xfrm>
           <a:prstGeom prst="rect">
@@ -14668,7 +14812,7 @@
             </a:lvl9pPr>
           </a:lstStyle>
           <a:p>
-            <a:pPr marL="0" lvl="0" indent="0" algn="r" rtl="0">
+            <a:pPr marL="0" lvl="0" indent="0" rtl="0">
               <a:spcBef>
                 <a:spcPts val="600"/>
               </a:spcBef>
@@ -14678,64 +14822,83 @@
               <a:buNone/>
             </a:pPr>
             <a:r>
-              <a:rPr lang="en-US" altLang="ko-KR" sz="1800" b="1" dirty="0">
-                <a:latin typeface="맑은 고딕" panose="020B0503020000020004" pitchFamily="50" charset="-127"/>
-                <a:ea typeface="맑은 고딕" panose="020B0503020000020004" pitchFamily="50" charset="-127"/>
+              <a:rPr lang="ko-KR" altLang="en-US" sz="1800" dirty="0">
+                <a:latin typeface="굵은굴림체" panose="02030600000101010101" pitchFamily="18" charset="-127"/>
+                <a:ea typeface="굵은굴림체" panose="02030600000101010101" pitchFamily="18" charset="-127"/>
               </a:rPr>
-              <a:t>7000</a:t>
+              <a:t>창업 희망자가 희망하는 지역을 선택</a:t>
+            </a:r>
+            <a:endParaRPr lang="en-US" altLang="ko-KR" sz="1800" dirty="0">
+              <a:latin typeface="굵은굴림체" panose="02030600000101010101" pitchFamily="18" charset="-127"/>
+              <a:ea typeface="굵은굴림체" panose="02030600000101010101" pitchFamily="18" charset="-127"/>
+            </a:endParaRPr>
+          </a:p>
+          <a:p>
+            <a:pPr marL="0" lvl="0" indent="0" algn="r" rtl="0">
+              <a:spcBef>
+                <a:spcPts val="600"/>
+              </a:spcBef>
+              <a:spcAft>
+                <a:spcPts val="0"/>
+              </a:spcAft>
+              <a:buNone/>
+            </a:pPr>
+            <a:r>
+              <a:rPr lang="ko-KR" altLang="en-US" sz="1800" dirty="0">
+                <a:latin typeface="굵은굴림체" panose="02030600000101010101" pitchFamily="18" charset="-127"/>
+                <a:ea typeface="굵은굴림체" panose="02030600000101010101" pitchFamily="18" charset="-127"/>
+              </a:rPr>
+              <a:t>매출과 위험도</a:t>
             </a:r>
             <a:r>
-              <a:rPr lang="ko-KR" altLang="en-US" sz="1800" b="1" dirty="0">
-                <a:latin typeface="맑은 고딕" panose="020B0503020000020004" pitchFamily="50" charset="-127"/>
-                <a:ea typeface="맑은 고딕" panose="020B0503020000020004" pitchFamily="50" charset="-127"/>
+              <a:rPr lang="en-US" altLang="ko-KR" sz="1800" dirty="0">
+                <a:latin typeface="굵은굴림체" panose="02030600000101010101" pitchFamily="18" charset="-127"/>
+                <a:ea typeface="굵은굴림체" panose="02030600000101010101" pitchFamily="18" charset="-127"/>
               </a:rPr>
-              <a:t>만원</a:t>
+              <a:t>(</a:t>
+            </a:r>
+            <a:r>
+              <a:rPr lang="ko-KR" altLang="en-US" sz="1800" dirty="0" err="1">
+                <a:latin typeface="굵은굴림체" panose="02030600000101010101" pitchFamily="18" charset="-127"/>
+                <a:ea typeface="굵은굴림체" panose="02030600000101010101" pitchFamily="18" charset="-127"/>
+              </a:rPr>
+              <a:t>폐업률</a:t>
+            </a:r>
+            <a:r>
+              <a:rPr lang="en-US" altLang="ko-KR" sz="1800" dirty="0">
+                <a:latin typeface="굵은굴림체" panose="02030600000101010101" pitchFamily="18" charset="-127"/>
+                <a:ea typeface="굵은굴림체" panose="02030600000101010101" pitchFamily="18" charset="-127"/>
+              </a:rPr>
+              <a:t>)</a:t>
             </a:r>
             <a:r>
               <a:rPr lang="ko-KR" altLang="en-US" sz="1800" dirty="0">
-                <a:latin typeface="맑은 고딕" panose="020B0503020000020004" pitchFamily="50" charset="-127"/>
-                <a:ea typeface="맑은 고딕" panose="020B0503020000020004" pitchFamily="50" charset="-127"/>
+                <a:latin typeface="굵은굴림체" panose="02030600000101010101" pitchFamily="18" charset="-127"/>
+                <a:ea typeface="굵은굴림체" panose="02030600000101010101" pitchFamily="18" charset="-127"/>
               </a:rPr>
-              <a:t>을</a:t>
+              <a:t>사이 비율 선택</a:t>
             </a:r>
             <a:r>
-              <a:rPr lang="ko-KR" altLang="en-US" sz="1800" b="1" dirty="0">
-                <a:latin typeface="맑은 고딕" panose="020B0503020000020004" pitchFamily="50" charset="-127"/>
-                <a:ea typeface="맑은 고딕" panose="020B0503020000020004" pitchFamily="50" charset="-127"/>
+              <a:rPr lang="en-US" altLang="ko-KR" sz="1800" dirty="0">
+                <a:latin typeface="굵은굴림체" panose="02030600000101010101" pitchFamily="18" charset="-127"/>
+                <a:ea typeface="굵은굴림체" panose="02030600000101010101" pitchFamily="18" charset="-127"/>
               </a:rPr>
-              <a:t> </a:t>
+              <a:t>, </a:t>
             </a:r>
             <a:r>
               <a:rPr lang="ko-KR" altLang="en-US" sz="1800" dirty="0">
-                <a:latin typeface="맑은 고딕" panose="020B0503020000020004" pitchFamily="50" charset="-127"/>
-                <a:ea typeface="맑은 고딕" panose="020B0503020000020004" pitchFamily="50" charset="-127"/>
+                <a:latin typeface="굵은굴림체" panose="02030600000101010101" pitchFamily="18" charset="-127"/>
+                <a:ea typeface="굵은굴림체" panose="02030600000101010101" pitchFamily="18" charset="-127"/>
               </a:rPr>
-              <a:t>모은 동대문구 거주 </a:t>
+              <a:t>임대시세 부담정도 선택</a:t>
             </a:r>
-            <a:r>
-              <a:rPr lang="en-US" altLang="ko-KR" sz="1800" dirty="0">
-                <a:latin typeface="맑은 고딕" panose="020B0503020000020004" pitchFamily="50" charset="-127"/>
-                <a:ea typeface="맑은 고딕" panose="020B0503020000020004" pitchFamily="50" charset="-127"/>
-              </a:rPr>
-              <a:t>A</a:t>
-            </a:r>
-            <a:r>
-              <a:rPr lang="ko-KR" altLang="en-US" sz="1800" dirty="0">
-                <a:latin typeface="맑은 고딕" panose="020B0503020000020004" pitchFamily="50" charset="-127"/>
-                <a:ea typeface="맑은 고딕" panose="020B0503020000020004" pitchFamily="50" charset="-127"/>
-              </a:rPr>
-              <a:t>씨는 편의점을 창업하고자 한다</a:t>
-            </a:r>
-            <a:r>
-              <a:rPr lang="en-US" altLang="ko-KR" sz="1800" dirty="0">
-                <a:latin typeface="맑은 고딕" panose="020B0503020000020004" pitchFamily="50" charset="-127"/>
-                <a:ea typeface="맑은 고딕" panose="020B0503020000020004" pitchFamily="50" charset="-127"/>
-              </a:rPr>
-              <a:t>.</a:t>
-            </a:r>
+            <a:endParaRPr lang="en-US" altLang="ko-KR" sz="1800" dirty="0">
+              <a:latin typeface="굵은굴림체" panose="02030600000101010101" pitchFamily="18" charset="-127"/>
+              <a:ea typeface="굵은굴림체" panose="02030600000101010101" pitchFamily="18" charset="-127"/>
+            </a:endParaRPr>
           </a:p>
           <a:p>
-            <a:pPr marL="0" lvl="0" indent="0" algn="r" rtl="0">
+            <a:pPr marL="0" lvl="0" indent="0" rtl="0">
               <a:spcBef>
                 <a:spcPts val="600"/>
               </a:spcBef>
@@ -14744,128 +14907,21 @@
               </a:spcAft>
               <a:buNone/>
             </a:pPr>
-            <a:r>
-              <a:rPr lang="ko-KR" altLang="en-US" sz="1800" b="1" dirty="0">
-                <a:latin typeface="맑은 고딕" panose="020B0503020000020004" pitchFamily="50" charset="-127"/>
-                <a:ea typeface="맑은 고딕" panose="020B0503020000020004" pitchFamily="50" charset="-127"/>
-              </a:rPr>
-              <a:t>안정적인 운영</a:t>
-            </a:r>
-            <a:r>
-              <a:rPr lang="ko-KR" altLang="en-US" sz="1800" dirty="0">
-                <a:latin typeface="맑은 고딕" panose="020B0503020000020004" pitchFamily="50" charset="-127"/>
-                <a:ea typeface="맑은 고딕" panose="020B0503020000020004" pitchFamily="50" charset="-127"/>
-              </a:rPr>
-              <a:t>을 원하는 </a:t>
-            </a:r>
-            <a:r>
-              <a:rPr lang="en-US" altLang="ko-KR" sz="1800" dirty="0">
-                <a:latin typeface="맑은 고딕" panose="020B0503020000020004" pitchFamily="50" charset="-127"/>
-                <a:ea typeface="맑은 고딕" panose="020B0503020000020004" pitchFamily="50" charset="-127"/>
-              </a:rPr>
-              <a:t>A</a:t>
-            </a:r>
-            <a:r>
-              <a:rPr lang="ko-KR" altLang="en-US" sz="1800" dirty="0">
-                <a:latin typeface="맑은 고딕" panose="020B0503020000020004" pitchFamily="50" charset="-127"/>
-                <a:ea typeface="맑은 고딕" panose="020B0503020000020004" pitchFamily="50" charset="-127"/>
-              </a:rPr>
-              <a:t>씨는 </a:t>
-            </a:r>
-            <a:r>
-              <a:rPr lang="ko-KR" altLang="en-US" sz="1800" b="1" dirty="0">
-                <a:latin typeface="맑은 고딕" panose="020B0503020000020004" pitchFamily="50" charset="-127"/>
-                <a:ea typeface="맑은 고딕" panose="020B0503020000020004" pitchFamily="50" charset="-127"/>
-              </a:rPr>
-              <a:t>집과 가까운 곳</a:t>
-            </a:r>
-            <a:r>
-              <a:rPr lang="ko-KR" altLang="en-US" sz="1800" dirty="0">
-                <a:latin typeface="맑은 고딕" panose="020B0503020000020004" pitchFamily="50" charset="-127"/>
-                <a:ea typeface="맑은 고딕" panose="020B0503020000020004" pitchFamily="50" charset="-127"/>
-              </a:rPr>
-              <a:t>에</a:t>
-            </a:r>
-            <a:r>
-              <a:rPr lang="ko-KR" altLang="en-US" sz="1800" b="1" dirty="0">
-                <a:latin typeface="맑은 고딕" panose="020B0503020000020004" pitchFamily="50" charset="-127"/>
-                <a:ea typeface="맑은 고딕" panose="020B0503020000020004" pitchFamily="50" charset="-127"/>
-              </a:rPr>
-              <a:t> </a:t>
-            </a:r>
-            <a:r>
-              <a:rPr lang="ko-KR" altLang="en-US" sz="1800" dirty="0">
-                <a:latin typeface="맑은 고딕" panose="020B0503020000020004" pitchFamily="50" charset="-127"/>
-                <a:ea typeface="맑은 고딕" panose="020B0503020000020004" pitchFamily="50" charset="-127"/>
-              </a:rPr>
-              <a:t>편의점을 차리고자 한다</a:t>
-            </a:r>
-            <a:r>
-              <a:rPr lang="en-US" altLang="ko-KR" sz="1800" dirty="0">
-                <a:latin typeface="맑은 고딕" panose="020B0503020000020004" pitchFamily="50" charset="-127"/>
-                <a:ea typeface="맑은 고딕" panose="020B0503020000020004" pitchFamily="50" charset="-127"/>
-              </a:rPr>
-              <a:t>.</a:t>
-            </a:r>
+            <a:endParaRPr lang="en-US" altLang="ko-KR" sz="1800" dirty="0">
+              <a:latin typeface="굵은굴림체" panose="02030600000101010101" pitchFamily="18" charset="-127"/>
+              <a:ea typeface="굵은굴림체" panose="02030600000101010101" pitchFamily="18" charset="-127"/>
+            </a:endParaRPr>
           </a:p>
           <a:p>
-            <a:pPr marL="0" lvl="0" indent="0" algn="r" rtl="0">
-              <a:spcBef>
-                <a:spcPts val="600"/>
-              </a:spcBef>
-              <a:spcAft>
-                <a:spcPts val="0"/>
-              </a:spcAft>
+            <a:pPr marL="0" lvl="0" indent="0">
               <a:buNone/>
             </a:pPr>
             <a:r>
               <a:rPr lang="ko-KR" altLang="en-US" sz="1800" dirty="0">
-                <a:latin typeface="맑은 고딕" panose="020B0503020000020004" pitchFamily="50" charset="-127"/>
-                <a:ea typeface="맑은 고딕" panose="020B0503020000020004" pitchFamily="50" charset="-127"/>
+                <a:latin typeface="굵은굴림체" panose="02030600000101010101" pitchFamily="18" charset="-127"/>
+                <a:ea typeface="굵은굴림체" panose="02030600000101010101" pitchFamily="18" charset="-127"/>
               </a:rPr>
-              <a:t>각 지역구의 위험도는 어떠하고</a:t>
-            </a:r>
-            <a:r>
-              <a:rPr lang="en-US" altLang="ko-KR" sz="1800" dirty="0">
-                <a:latin typeface="맑은 고딕" panose="020B0503020000020004" pitchFamily="50" charset="-127"/>
-                <a:ea typeface="맑은 고딕" panose="020B0503020000020004" pitchFamily="50" charset="-127"/>
-              </a:rPr>
-              <a:t>,</a:t>
-            </a:r>
-            <a:r>
-              <a:rPr lang="ko-KR" altLang="en-US" sz="1800" dirty="0">
-                <a:latin typeface="맑은 고딕" panose="020B0503020000020004" pitchFamily="50" charset="-127"/>
-                <a:ea typeface="맑은 고딕" panose="020B0503020000020004" pitchFamily="50" charset="-127"/>
-              </a:rPr>
-              <a:t> 어느 곳이 </a:t>
-            </a:r>
-            <a:r>
-              <a:rPr lang="en-US" altLang="ko-KR" sz="1800" dirty="0">
-                <a:latin typeface="맑은 고딕" panose="020B0503020000020004" pitchFamily="50" charset="-127"/>
-                <a:ea typeface="맑은 고딕" panose="020B0503020000020004" pitchFamily="50" charset="-127"/>
-              </a:rPr>
-              <a:t>A</a:t>
-            </a:r>
-            <a:r>
-              <a:rPr lang="ko-KR" altLang="en-US" sz="1800" dirty="0">
-                <a:latin typeface="맑은 고딕" panose="020B0503020000020004" pitchFamily="50" charset="-127"/>
-                <a:ea typeface="맑은 고딕" panose="020B0503020000020004" pitchFamily="50" charset="-127"/>
-              </a:rPr>
-              <a:t>씨에게 알맞은 위치일까</a:t>
-            </a:r>
-            <a:r>
-              <a:rPr lang="en-US" altLang="ko-KR" sz="1800" dirty="0">
-                <a:latin typeface="맑은 고딕" panose="020B0503020000020004" pitchFamily="50" charset="-127"/>
-                <a:ea typeface="맑은 고딕" panose="020B0503020000020004" pitchFamily="50" charset="-127"/>
-              </a:rPr>
-              <a:t>?</a:t>
-            </a:r>
-            <a:r>
-              <a:rPr lang="ko-KR" altLang="en-US" sz="1800" dirty="0">
-                <a:latin typeface="맑은 고딕" panose="020B0503020000020004" pitchFamily="50" charset="-127"/>
-                <a:ea typeface="맑은 고딕" panose="020B0503020000020004" pitchFamily="50" charset="-127"/>
-              </a:rPr>
-              <a:t> </a:t>
+              <a:t>→ 희망자에게 가장 적합한 최적 편의점 창업 행정동 추천</a:t>
             </a:r>
           </a:p>
         </p:txBody>
@@ -14903,8 +14959,8 @@
                 <a:solidFill>
                   <a:srgbClr val="454F5B"/>
                 </a:solidFill>
-                <a:latin typeface="맑은 고딕" panose="020B0503020000020004" pitchFamily="50" charset="-127"/>
-                <a:ea typeface="맑은 고딕" panose="020B0503020000020004" pitchFamily="50" charset="-127"/>
+                <a:latin typeface="굵은굴림체" panose="02030600000101010101" pitchFamily="18" charset="-127"/>
+                <a:ea typeface="굵은굴림체" panose="02030600000101010101" pitchFamily="18" charset="-127"/>
                 <a:cs typeface="Montserrat"/>
                 <a:sym typeface="Montserrat"/>
               </a:rPr>
@@ -15199,8 +15255,8 @@
           <a:p>
             <a:r>
               <a:rPr lang="ko-KR" altLang="en-US" dirty="0">
-                <a:latin typeface="맑은 고딕" panose="020B0503020000020004" pitchFamily="50" charset="-127"/>
-                <a:ea typeface="맑은 고딕" panose="020B0503020000020004" pitchFamily="50" charset="-127"/>
+                <a:latin typeface="굵은굴림체" panose="02030600000101010101" pitchFamily="18" charset="-127"/>
+                <a:ea typeface="굵은굴림체" panose="02030600000101010101" pitchFamily="18" charset="-127"/>
               </a:rPr>
               <a:t>활용 예시 및 시나리오</a:t>
             </a:r>
@@ -15291,7 +15347,7 @@
         </p:nvSpPr>
         <p:spPr>
           <a:xfrm>
-            <a:off x="312875" y="529029"/>
+            <a:off x="375947" y="508795"/>
             <a:ext cx="7761600" cy="493500"/>
           </a:xfrm>
           <a:prstGeom prst="rect">
@@ -15556,24 +15612,10 @@
           <a:p>
             <a:r>
               <a:rPr lang="ko-KR" altLang="en-US" dirty="0">
-                <a:latin typeface="맑은 고딕" panose="020B0503020000020004" pitchFamily="50" charset="-127"/>
-                <a:ea typeface="맑은 고딕" panose="020B0503020000020004" pitchFamily="50" charset="-127"/>
+                <a:latin typeface="굵은굴림체" panose="02030600000101010101" pitchFamily="18" charset="-127"/>
+                <a:ea typeface="굵은굴림체" panose="02030600000101010101" pitchFamily="18" charset="-127"/>
               </a:rPr>
               <a:t>성능분석</a:t>
-            </a:r>
-            <a:r>
-              <a:rPr lang="en-US" altLang="ko-KR" dirty="0">
-                <a:latin typeface="맑은 고딕" panose="020B0503020000020004" pitchFamily="50" charset="-127"/>
-                <a:ea typeface="맑은 고딕" panose="020B0503020000020004" pitchFamily="50" charset="-127"/>
-              </a:rPr>
-              <a:t>(1) - </a:t>
-            </a:r>
-            <a:r>
-              <a:rPr lang="ko-KR" altLang="en-US" dirty="0">
-                <a:latin typeface="맑은 고딕" panose="020B0503020000020004" pitchFamily="50" charset="-127"/>
-                <a:ea typeface="맑은 고딕" panose="020B0503020000020004" pitchFamily="50" charset="-127"/>
-              </a:rPr>
-              <a:t>상권분석서비스</a:t>
             </a:r>
           </a:p>
         </p:txBody>
@@ -15621,12 +15663,112 @@
           </a:p>
         </p:txBody>
       </p:sp>
+      <p:pic>
+        <p:nvPicPr>
+          <p:cNvPr id="3" name="그림 2">
+            <a:extLst>
+              <a:ext uri="{FF2B5EF4-FFF2-40B4-BE49-F238E27FC236}">
+                <a16:creationId xmlns:a16="http://schemas.microsoft.com/office/drawing/2014/main" id="{A174151A-732C-4CAE-A857-A39CA84A2280}"/>
+              </a:ext>
+            </a:extLst>
+          </p:cNvPr>
+          <p:cNvPicPr>
+            <a:picLocks noChangeAspect="1"/>
+          </p:cNvPicPr>
+          <p:nvPr/>
+        </p:nvPicPr>
+        <p:blipFill>
+          <a:blip r:embed="rId3"/>
+          <a:stretch>
+            <a:fillRect/>
+          </a:stretch>
+        </p:blipFill>
+        <p:spPr>
+          <a:xfrm>
+            <a:off x="613316" y="1900636"/>
+            <a:ext cx="4839629" cy="2264834"/>
+          </a:xfrm>
+          <a:prstGeom prst="rect">
+            <a:avLst/>
+          </a:prstGeom>
+        </p:spPr>
+      </p:pic>
+      <p:pic>
+        <p:nvPicPr>
+          <p:cNvPr id="5" name="그림 4">
+            <a:extLst>
+              <a:ext uri="{FF2B5EF4-FFF2-40B4-BE49-F238E27FC236}">
+                <a16:creationId xmlns:a16="http://schemas.microsoft.com/office/drawing/2014/main" id="{F3EF578D-B67D-40F9-BE93-86FE269DA689}"/>
+              </a:ext>
+            </a:extLst>
+          </p:cNvPr>
+          <p:cNvPicPr>
+            <a:picLocks noChangeAspect="1"/>
+          </p:cNvPicPr>
+          <p:nvPr/>
+        </p:nvPicPr>
+        <p:blipFill>
+          <a:blip r:embed="rId4"/>
+          <a:stretch>
+            <a:fillRect/>
+          </a:stretch>
+        </p:blipFill>
+        <p:spPr>
+          <a:xfrm>
+            <a:off x="3434621" y="2283002"/>
+            <a:ext cx="4839629" cy="2584440"/>
+          </a:xfrm>
+          <a:prstGeom prst="rect">
+            <a:avLst/>
+          </a:prstGeom>
+        </p:spPr>
+      </p:pic>
+      <p:sp>
+        <p:nvSpPr>
+          <p:cNvPr id="12" name="텍스트 개체 틀 2">
+            <a:extLst>
+              <a:ext uri="{FF2B5EF4-FFF2-40B4-BE49-F238E27FC236}">
+                <a16:creationId xmlns:a16="http://schemas.microsoft.com/office/drawing/2014/main" id="{1A86C059-28AF-4AE0-9AAB-66DC709D0E25}"/>
+              </a:ext>
+            </a:extLst>
+          </p:cNvPr>
+          <p:cNvSpPr>
+            <a:spLocks noGrp="1"/>
+          </p:cNvSpPr>
+          <p:nvPr>
+            <p:ph type="body" idx="1"/>
+          </p:nvPr>
+        </p:nvSpPr>
+        <p:spPr>
+          <a:xfrm>
+            <a:off x="2466257" y="1301742"/>
+            <a:ext cx="4211486" cy="493500"/>
+          </a:xfrm>
+        </p:spPr>
+        <p:txBody>
+          <a:bodyPr/>
+          <a:lstStyle/>
+          <a:p>
+            <a:pPr marL="101600" indent="0">
+              <a:buNone/>
+            </a:pPr>
+            <a:r>
+              <a:rPr lang="ko-KR" altLang="en-US" dirty="0" err="1"/>
+              <a:t>우리마을가게</a:t>
+            </a:r>
+            <a:r>
+              <a:rPr lang="ko-KR" altLang="en-US" dirty="0"/>
+              <a:t> 상권분석 서비스</a:t>
+            </a:r>
+          </a:p>
+        </p:txBody>
+      </p:sp>
       <p:grpSp>
         <p:nvGrpSpPr>
-          <p:cNvPr id="25" name="Google Shape;534;p36">
+          <p:cNvPr id="11" name="Google Shape;565;p36">
             <a:extLst>
               <a:ext uri="{FF2B5EF4-FFF2-40B4-BE49-F238E27FC236}">
-                <a16:creationId xmlns:a16="http://schemas.microsoft.com/office/drawing/2014/main" id="{56AC0F92-3FC0-4D55-AFC7-1604B7A17A3A}"/>
+                <a16:creationId xmlns:a16="http://schemas.microsoft.com/office/drawing/2014/main" id="{EF021642-B7CE-4F3A-BA6E-1B8EE490FD4C}"/>
               </a:ext>
             </a:extLst>
           </p:cNvPr>
@@ -15635,18 +15777,18 @@
         </p:nvGrpSpPr>
         <p:grpSpPr>
           <a:xfrm>
-            <a:off x="7931125" y="276058"/>
+            <a:off x="7931125" y="302529"/>
             <a:ext cx="900000" cy="720000"/>
-            <a:chOff x="3955900" y="2984500"/>
-            <a:chExt cx="414000" cy="422525"/>
+            <a:chOff x="4610450" y="3703750"/>
+            <a:chExt cx="453050" cy="332175"/>
           </a:xfrm>
         </p:grpSpPr>
         <p:sp>
           <p:nvSpPr>
-            <p:cNvPr id="26" name="Google Shape;535;p36">
+            <p:cNvPr id="13" name="Google Shape;566;p36">
               <a:extLst>
                 <a:ext uri="{FF2B5EF4-FFF2-40B4-BE49-F238E27FC236}">
-                  <a16:creationId xmlns:a16="http://schemas.microsoft.com/office/drawing/2014/main" id="{27E4B60E-4495-4A60-A6E6-D174757965FA}"/>
+                  <a16:creationId xmlns:a16="http://schemas.microsoft.com/office/drawing/2014/main" id="{A50DA59E-4A45-4FBF-8B2B-46C396F3F4A8}"/>
                 </a:ext>
               </a:extLst>
             </p:cNvPr>
@@ -15655,8 +15797,8 @@
           </p:nvSpPr>
           <p:spPr>
             <a:xfrm>
-              <a:off x="3955900" y="2984500"/>
-              <a:ext cx="315700" cy="315675"/>
+              <a:off x="4610450" y="3703750"/>
+              <a:ext cx="453050" cy="332175"/>
             </a:xfrm>
             <a:custGeom>
               <a:avLst/>
@@ -15665,538 +15807,126 @@
               <a:cxnLst/>
               <a:rect l="l" t="t" r="r" b="b"/>
               <a:pathLst>
-                <a:path w="12628" h="12627" extrusionOk="0">
+                <a:path w="18122" h="13287" extrusionOk="0">
                   <a:moveTo>
-                    <a:pt x="6302" y="977"/>
+                    <a:pt x="366" y="0"/>
                   </a:moveTo>
                   <a:lnTo>
-                    <a:pt x="6863" y="1026"/>
-                  </a:lnTo>
-                  <a:lnTo>
-                    <a:pt x="7376" y="1099"/>
-                  </a:lnTo>
-                  <a:lnTo>
-                    <a:pt x="7889" y="1221"/>
-                  </a:lnTo>
-                  <a:lnTo>
-                    <a:pt x="8378" y="1417"/>
-                  </a:lnTo>
-                  <a:lnTo>
-                    <a:pt x="8842" y="1636"/>
-                  </a:lnTo>
-                  <a:lnTo>
-                    <a:pt x="9281" y="1905"/>
-                  </a:lnTo>
-                  <a:lnTo>
-                    <a:pt x="9697" y="2198"/>
-                  </a:lnTo>
-                  <a:lnTo>
-                    <a:pt x="10087" y="2540"/>
-                  </a:lnTo>
-                  <a:lnTo>
-                    <a:pt x="10429" y="2931"/>
-                  </a:lnTo>
-                  <a:lnTo>
-                    <a:pt x="10722" y="3346"/>
-                  </a:lnTo>
-                  <a:lnTo>
-                    <a:pt x="10991" y="3786"/>
-                  </a:lnTo>
-                  <a:lnTo>
-                    <a:pt x="11211" y="4250"/>
-                  </a:lnTo>
-                  <a:lnTo>
-                    <a:pt x="11406" y="4738"/>
-                  </a:lnTo>
-                  <a:lnTo>
-                    <a:pt x="11528" y="5251"/>
-                  </a:lnTo>
-                  <a:lnTo>
-                    <a:pt x="11626" y="5764"/>
-                  </a:lnTo>
-                  <a:lnTo>
-                    <a:pt x="11650" y="6326"/>
-                  </a:lnTo>
-                  <a:lnTo>
-                    <a:pt x="11626" y="6863"/>
-                  </a:lnTo>
-                  <a:lnTo>
-                    <a:pt x="11528" y="7400"/>
-                  </a:lnTo>
-                  <a:lnTo>
-                    <a:pt x="11406" y="7913"/>
-                  </a:lnTo>
-                  <a:lnTo>
-                    <a:pt x="11211" y="8402"/>
-                  </a:lnTo>
-                  <a:lnTo>
-                    <a:pt x="10991" y="8866"/>
-                  </a:lnTo>
-                  <a:lnTo>
-                    <a:pt x="10722" y="9305"/>
-                  </a:lnTo>
-                  <a:lnTo>
-                    <a:pt x="10429" y="9696"/>
-                  </a:lnTo>
-                  <a:lnTo>
-                    <a:pt x="10087" y="10087"/>
-                  </a:lnTo>
-                  <a:lnTo>
-                    <a:pt x="9697" y="10429"/>
-                  </a:lnTo>
-                  <a:lnTo>
-                    <a:pt x="9281" y="10746"/>
-                  </a:lnTo>
-                  <a:lnTo>
-                    <a:pt x="8842" y="11015"/>
-                  </a:lnTo>
-                  <a:lnTo>
-                    <a:pt x="8378" y="11235"/>
-                  </a:lnTo>
-                  <a:lnTo>
-                    <a:pt x="7889" y="11406"/>
-                  </a:lnTo>
-                  <a:lnTo>
-                    <a:pt x="7376" y="11552"/>
-                  </a:lnTo>
-                  <a:lnTo>
-                    <a:pt x="6863" y="11625"/>
-                  </a:lnTo>
-                  <a:lnTo>
-                    <a:pt x="6302" y="11650"/>
-                  </a:lnTo>
-                  <a:lnTo>
-                    <a:pt x="5764" y="11625"/>
-                  </a:lnTo>
-                  <a:lnTo>
-                    <a:pt x="5227" y="11552"/>
-                  </a:lnTo>
-                  <a:lnTo>
-                    <a:pt x="4714" y="11406"/>
-                  </a:lnTo>
-                  <a:lnTo>
-                    <a:pt x="4226" y="11235"/>
-                  </a:lnTo>
-                  <a:lnTo>
-                    <a:pt x="3762" y="11015"/>
-                  </a:lnTo>
-                  <a:lnTo>
-                    <a:pt x="3322" y="10746"/>
-                  </a:lnTo>
-                  <a:lnTo>
-                    <a:pt x="2931" y="10429"/>
-                  </a:lnTo>
-                  <a:lnTo>
-                    <a:pt x="2541" y="10087"/>
-                  </a:lnTo>
-                  <a:lnTo>
-                    <a:pt x="2199" y="9696"/>
-                  </a:lnTo>
-                  <a:lnTo>
-                    <a:pt x="1881" y="9305"/>
-                  </a:lnTo>
-                  <a:lnTo>
-                    <a:pt x="1613" y="8866"/>
-                  </a:lnTo>
-                  <a:lnTo>
-                    <a:pt x="1393" y="8402"/>
-                  </a:lnTo>
-                  <a:lnTo>
-                    <a:pt x="1222" y="7913"/>
-                  </a:lnTo>
-                  <a:lnTo>
-                    <a:pt x="1075" y="7400"/>
-                  </a:lnTo>
-                  <a:lnTo>
-                    <a:pt x="1002" y="6863"/>
-                  </a:lnTo>
-                  <a:lnTo>
-                    <a:pt x="978" y="6326"/>
-                  </a:lnTo>
-                  <a:lnTo>
-                    <a:pt x="1002" y="5764"/>
-                  </a:lnTo>
-                  <a:lnTo>
-                    <a:pt x="1075" y="5251"/>
-                  </a:lnTo>
-                  <a:lnTo>
-                    <a:pt x="1222" y="4738"/>
-                  </a:lnTo>
-                  <a:lnTo>
-                    <a:pt x="1393" y="4250"/>
-                  </a:lnTo>
-                  <a:lnTo>
-                    <a:pt x="1613" y="3786"/>
-                  </a:lnTo>
-                  <a:lnTo>
-                    <a:pt x="1881" y="3346"/>
-                  </a:lnTo>
-                  <a:lnTo>
-                    <a:pt x="2199" y="2931"/>
-                  </a:lnTo>
-                  <a:lnTo>
-                    <a:pt x="2541" y="2540"/>
-                  </a:lnTo>
-                  <a:lnTo>
-                    <a:pt x="2931" y="2198"/>
-                  </a:lnTo>
-                  <a:lnTo>
-                    <a:pt x="3322" y="1905"/>
-                  </a:lnTo>
-                  <a:lnTo>
-                    <a:pt x="3762" y="1636"/>
-                  </a:lnTo>
-                  <a:lnTo>
-                    <a:pt x="4226" y="1417"/>
-                  </a:lnTo>
-                  <a:lnTo>
-                    <a:pt x="4714" y="1221"/>
-                  </a:lnTo>
-                  <a:lnTo>
-                    <a:pt x="5227" y="1099"/>
-                  </a:lnTo>
-                  <a:lnTo>
-                    <a:pt x="5764" y="1026"/>
-                  </a:lnTo>
-                  <a:lnTo>
-                    <a:pt x="6302" y="977"/>
-                  </a:lnTo>
-                  <a:close/>
-                  <a:moveTo>
-                    <a:pt x="6302" y="0"/>
-                  </a:moveTo>
-                  <a:lnTo>
-                    <a:pt x="5984" y="24"/>
-                  </a:lnTo>
-                  <a:lnTo>
-                    <a:pt x="5667" y="49"/>
-                  </a:lnTo>
-                  <a:lnTo>
-                    <a:pt x="5349" y="73"/>
-                  </a:lnTo>
-                  <a:lnTo>
-                    <a:pt x="5032" y="147"/>
-                  </a:lnTo>
-                  <a:lnTo>
-                    <a:pt x="4739" y="220"/>
-                  </a:lnTo>
-                  <a:lnTo>
-                    <a:pt x="4446" y="293"/>
-                  </a:lnTo>
-                  <a:lnTo>
-                    <a:pt x="4153" y="391"/>
-                  </a:lnTo>
-                  <a:lnTo>
-                    <a:pt x="3859" y="513"/>
-                  </a:lnTo>
-                  <a:lnTo>
-                    <a:pt x="3566" y="635"/>
-                  </a:lnTo>
-                  <a:lnTo>
-                    <a:pt x="3298" y="782"/>
-                  </a:lnTo>
-                  <a:lnTo>
-                    <a:pt x="3029" y="928"/>
-                  </a:lnTo>
-                  <a:lnTo>
-                    <a:pt x="2785" y="1075"/>
-                  </a:lnTo>
-                  <a:lnTo>
-                    <a:pt x="2296" y="1441"/>
-                  </a:lnTo>
-                  <a:lnTo>
-                    <a:pt x="1857" y="1856"/>
-                  </a:lnTo>
-                  <a:lnTo>
-                    <a:pt x="1442" y="2296"/>
-                  </a:lnTo>
-                  <a:lnTo>
-                    <a:pt x="1075" y="2784"/>
-                  </a:lnTo>
-                  <a:lnTo>
-                    <a:pt x="904" y="3053"/>
-                  </a:lnTo>
-                  <a:lnTo>
-                    <a:pt x="758" y="3322"/>
-                  </a:lnTo>
-                  <a:lnTo>
-                    <a:pt x="611" y="3590"/>
-                  </a:lnTo>
-                  <a:lnTo>
-                    <a:pt x="489" y="3859"/>
-                  </a:lnTo>
-                  <a:lnTo>
-                    <a:pt x="391" y="4152"/>
-                  </a:lnTo>
-                  <a:lnTo>
-                    <a:pt x="294" y="4445"/>
-                  </a:lnTo>
-                  <a:lnTo>
-                    <a:pt x="196" y="4738"/>
-                  </a:lnTo>
-                  <a:lnTo>
-                    <a:pt x="123" y="5056"/>
-                  </a:lnTo>
-                  <a:lnTo>
-                    <a:pt x="74" y="5349"/>
-                  </a:lnTo>
-                  <a:lnTo>
-                    <a:pt x="25" y="5666"/>
-                  </a:lnTo>
-                  <a:lnTo>
-                    <a:pt x="1" y="5984"/>
-                  </a:lnTo>
-                  <a:lnTo>
-                    <a:pt x="1" y="6326"/>
-                  </a:lnTo>
-                  <a:lnTo>
-                    <a:pt x="1" y="6643"/>
-                  </a:lnTo>
-                  <a:lnTo>
-                    <a:pt x="25" y="6961"/>
-                  </a:lnTo>
-                  <a:lnTo>
-                    <a:pt x="74" y="7278"/>
-                  </a:lnTo>
-                  <a:lnTo>
-                    <a:pt x="123" y="7596"/>
-                  </a:lnTo>
-                  <a:lnTo>
-                    <a:pt x="196" y="7889"/>
-                  </a:lnTo>
-                  <a:lnTo>
-                    <a:pt x="294" y="8206"/>
-                  </a:lnTo>
-                  <a:lnTo>
-                    <a:pt x="391" y="8499"/>
-                  </a:lnTo>
-                  <a:lnTo>
-                    <a:pt x="489" y="8768"/>
-                  </a:lnTo>
-                  <a:lnTo>
-                    <a:pt x="611" y="9061"/>
-                  </a:lnTo>
-                  <a:lnTo>
-                    <a:pt x="758" y="9330"/>
-                  </a:lnTo>
-                  <a:lnTo>
-                    <a:pt x="904" y="9598"/>
-                  </a:lnTo>
-                  <a:lnTo>
-                    <a:pt x="1075" y="9843"/>
-                  </a:lnTo>
-                  <a:lnTo>
-                    <a:pt x="1442" y="10331"/>
-                  </a:lnTo>
-                  <a:lnTo>
-                    <a:pt x="1857" y="10771"/>
-                  </a:lnTo>
-                  <a:lnTo>
-                    <a:pt x="2296" y="11186"/>
-                  </a:lnTo>
-                  <a:lnTo>
-                    <a:pt x="2785" y="11552"/>
-                  </a:lnTo>
-                  <a:lnTo>
-                    <a:pt x="3029" y="11723"/>
-                  </a:lnTo>
-                  <a:lnTo>
-                    <a:pt x="3298" y="11870"/>
-                  </a:lnTo>
-                  <a:lnTo>
-                    <a:pt x="3566" y="12016"/>
-                  </a:lnTo>
-                  <a:lnTo>
-                    <a:pt x="3859" y="12138"/>
-                  </a:lnTo>
-                  <a:lnTo>
-                    <a:pt x="4153" y="12236"/>
-                  </a:lnTo>
-                  <a:lnTo>
-                    <a:pt x="4446" y="12334"/>
-                  </a:lnTo>
-                  <a:lnTo>
-                    <a:pt x="4739" y="12431"/>
-                  </a:lnTo>
-                  <a:lnTo>
-                    <a:pt x="5032" y="12505"/>
-                  </a:lnTo>
-                  <a:lnTo>
-                    <a:pt x="5349" y="12553"/>
-                  </a:lnTo>
-                  <a:lnTo>
-                    <a:pt x="5667" y="12602"/>
-                  </a:lnTo>
-                  <a:lnTo>
-                    <a:pt x="5984" y="12627"/>
-                  </a:lnTo>
-                  <a:lnTo>
-                    <a:pt x="6644" y="12627"/>
-                  </a:lnTo>
-                  <a:lnTo>
-                    <a:pt x="6961" y="12602"/>
-                  </a:lnTo>
-                  <a:lnTo>
-                    <a:pt x="7279" y="12553"/>
-                  </a:lnTo>
-                  <a:lnTo>
-                    <a:pt x="7572" y="12505"/>
-                  </a:lnTo>
-                  <a:lnTo>
-                    <a:pt x="7889" y="12431"/>
-                  </a:lnTo>
-                  <a:lnTo>
-                    <a:pt x="8182" y="12334"/>
-                  </a:lnTo>
-                  <a:lnTo>
-                    <a:pt x="8475" y="12236"/>
-                  </a:lnTo>
-                  <a:lnTo>
-                    <a:pt x="8768" y="12138"/>
-                  </a:lnTo>
-                  <a:lnTo>
-                    <a:pt x="9037" y="12016"/>
-                  </a:lnTo>
-                  <a:lnTo>
-                    <a:pt x="9306" y="11870"/>
-                  </a:lnTo>
-                  <a:lnTo>
-                    <a:pt x="9574" y="11723"/>
-                  </a:lnTo>
-                  <a:lnTo>
-                    <a:pt x="9843" y="11552"/>
-                  </a:lnTo>
-                  <a:lnTo>
-                    <a:pt x="10332" y="11186"/>
-                  </a:lnTo>
-                  <a:lnTo>
-                    <a:pt x="10771" y="10771"/>
-                  </a:lnTo>
-                  <a:lnTo>
-                    <a:pt x="11186" y="10331"/>
-                  </a:lnTo>
-                  <a:lnTo>
-                    <a:pt x="11553" y="9843"/>
-                  </a:lnTo>
-                  <a:lnTo>
-                    <a:pt x="11699" y="9598"/>
-                  </a:lnTo>
-                  <a:lnTo>
-                    <a:pt x="11846" y="9330"/>
-                  </a:lnTo>
-                  <a:lnTo>
-                    <a:pt x="11992" y="9061"/>
-                  </a:lnTo>
-                  <a:lnTo>
-                    <a:pt x="12114" y="8768"/>
-                  </a:lnTo>
-                  <a:lnTo>
-                    <a:pt x="12237" y="8499"/>
-                  </a:lnTo>
-                  <a:lnTo>
-                    <a:pt x="12334" y="8206"/>
-                  </a:lnTo>
-                  <a:lnTo>
-                    <a:pt x="12432" y="7889"/>
-                  </a:lnTo>
-                  <a:lnTo>
-                    <a:pt x="12481" y="7596"/>
-                  </a:lnTo>
-                  <a:lnTo>
-                    <a:pt x="12554" y="7278"/>
-                  </a:lnTo>
-                  <a:lnTo>
-                    <a:pt x="12578" y="6961"/>
-                  </a:lnTo>
-                  <a:lnTo>
-                    <a:pt x="12603" y="6643"/>
-                  </a:lnTo>
-                  <a:lnTo>
-                    <a:pt x="12627" y="6326"/>
-                  </a:lnTo>
-                  <a:lnTo>
-                    <a:pt x="12603" y="5984"/>
-                  </a:lnTo>
-                  <a:lnTo>
-                    <a:pt x="12578" y="5666"/>
-                  </a:lnTo>
-                  <a:lnTo>
-                    <a:pt x="12554" y="5349"/>
-                  </a:lnTo>
-                  <a:lnTo>
-                    <a:pt x="12481" y="5056"/>
-                  </a:lnTo>
-                  <a:lnTo>
-                    <a:pt x="12432" y="4738"/>
-                  </a:lnTo>
-                  <a:lnTo>
-                    <a:pt x="12334" y="4445"/>
-                  </a:lnTo>
-                  <a:lnTo>
-                    <a:pt x="12237" y="4152"/>
-                  </a:lnTo>
-                  <a:lnTo>
-                    <a:pt x="12114" y="3859"/>
-                  </a:lnTo>
-                  <a:lnTo>
-                    <a:pt x="11992" y="3590"/>
-                  </a:lnTo>
-                  <a:lnTo>
-                    <a:pt x="11846" y="3322"/>
-                  </a:lnTo>
-                  <a:lnTo>
-                    <a:pt x="11699" y="3053"/>
-                  </a:lnTo>
-                  <a:lnTo>
-                    <a:pt x="11553" y="2784"/>
-                  </a:lnTo>
-                  <a:lnTo>
-                    <a:pt x="11186" y="2296"/>
-                  </a:lnTo>
-                  <a:lnTo>
-                    <a:pt x="10771" y="1856"/>
-                  </a:lnTo>
-                  <a:lnTo>
-                    <a:pt x="10332" y="1441"/>
-                  </a:lnTo>
-                  <a:lnTo>
-                    <a:pt x="9843" y="1075"/>
-                  </a:lnTo>
-                  <a:lnTo>
-                    <a:pt x="9574" y="928"/>
-                  </a:lnTo>
-                  <a:lnTo>
-                    <a:pt x="9306" y="782"/>
-                  </a:lnTo>
-                  <a:lnTo>
-                    <a:pt x="9037" y="635"/>
-                  </a:lnTo>
-                  <a:lnTo>
-                    <a:pt x="8768" y="513"/>
-                  </a:lnTo>
-                  <a:lnTo>
-                    <a:pt x="8475" y="391"/>
-                  </a:lnTo>
-                  <a:lnTo>
-                    <a:pt x="8182" y="293"/>
-                  </a:lnTo>
-                  <a:lnTo>
-                    <a:pt x="7889" y="220"/>
-                  </a:lnTo>
-                  <a:lnTo>
-                    <a:pt x="7572" y="147"/>
-                  </a:lnTo>
-                  <a:lnTo>
-                    <a:pt x="7279" y="73"/>
-                  </a:lnTo>
-                  <a:lnTo>
-                    <a:pt x="6961" y="49"/>
-                  </a:lnTo>
-                  <a:lnTo>
-                    <a:pt x="6644" y="24"/>
-                  </a:lnTo>
-                  <a:lnTo>
-                    <a:pt x="6302" y="0"/>
+                    <a:pt x="293" y="49"/>
+                  </a:lnTo>
+                  <a:lnTo>
+                    <a:pt x="195" y="74"/>
+                  </a:lnTo>
+                  <a:lnTo>
+                    <a:pt x="122" y="147"/>
+                  </a:lnTo>
+                  <a:lnTo>
+                    <a:pt x="73" y="220"/>
+                  </a:lnTo>
+                  <a:lnTo>
+                    <a:pt x="25" y="293"/>
+                  </a:lnTo>
+                  <a:lnTo>
+                    <a:pt x="0" y="391"/>
+                  </a:lnTo>
+                  <a:lnTo>
+                    <a:pt x="0" y="489"/>
+                  </a:lnTo>
+                  <a:lnTo>
+                    <a:pt x="0" y="12798"/>
+                  </a:lnTo>
+                  <a:lnTo>
+                    <a:pt x="0" y="12896"/>
+                  </a:lnTo>
+                  <a:lnTo>
+                    <a:pt x="25" y="12993"/>
+                  </a:lnTo>
+                  <a:lnTo>
+                    <a:pt x="73" y="13067"/>
+                  </a:lnTo>
+                  <a:lnTo>
+                    <a:pt x="122" y="13140"/>
+                  </a:lnTo>
+                  <a:lnTo>
+                    <a:pt x="195" y="13213"/>
+                  </a:lnTo>
+                  <a:lnTo>
+                    <a:pt x="293" y="13238"/>
+                  </a:lnTo>
+                  <a:lnTo>
+                    <a:pt x="366" y="13287"/>
+                  </a:lnTo>
+                  <a:lnTo>
+                    <a:pt x="17756" y="13287"/>
+                  </a:lnTo>
+                  <a:lnTo>
+                    <a:pt x="17829" y="13238"/>
+                  </a:lnTo>
+                  <a:lnTo>
+                    <a:pt x="17927" y="13213"/>
+                  </a:lnTo>
+                  <a:lnTo>
+                    <a:pt x="18000" y="13140"/>
+                  </a:lnTo>
+                  <a:lnTo>
+                    <a:pt x="18049" y="13067"/>
+                  </a:lnTo>
+                  <a:lnTo>
+                    <a:pt x="18098" y="12993"/>
+                  </a:lnTo>
+                  <a:lnTo>
+                    <a:pt x="18122" y="12896"/>
+                  </a:lnTo>
+                  <a:lnTo>
+                    <a:pt x="18122" y="12798"/>
+                  </a:lnTo>
+                  <a:lnTo>
+                    <a:pt x="18122" y="12700"/>
+                  </a:lnTo>
+                  <a:lnTo>
+                    <a:pt x="18098" y="12603"/>
+                  </a:lnTo>
+                  <a:lnTo>
+                    <a:pt x="18049" y="12529"/>
+                  </a:lnTo>
+                  <a:lnTo>
+                    <a:pt x="18000" y="12456"/>
+                  </a:lnTo>
+                  <a:lnTo>
+                    <a:pt x="17927" y="12383"/>
+                  </a:lnTo>
+                  <a:lnTo>
+                    <a:pt x="17829" y="12358"/>
+                  </a:lnTo>
+                  <a:lnTo>
+                    <a:pt x="17756" y="12310"/>
+                  </a:lnTo>
+                  <a:lnTo>
+                    <a:pt x="977" y="12310"/>
+                  </a:lnTo>
+                  <a:lnTo>
+                    <a:pt x="977" y="489"/>
+                  </a:lnTo>
+                  <a:lnTo>
+                    <a:pt x="953" y="391"/>
+                  </a:lnTo>
+                  <a:lnTo>
+                    <a:pt x="928" y="293"/>
+                  </a:lnTo>
+                  <a:lnTo>
+                    <a:pt x="879" y="220"/>
+                  </a:lnTo>
+                  <a:lnTo>
+                    <a:pt x="830" y="147"/>
+                  </a:lnTo>
+                  <a:lnTo>
+                    <a:pt x="757" y="74"/>
+                  </a:lnTo>
+                  <a:lnTo>
+                    <a:pt x="660" y="49"/>
+                  </a:lnTo>
+                  <a:lnTo>
+                    <a:pt x="586" y="0"/>
                   </a:lnTo>
                   <a:close/>
                 </a:path>
@@ -16213,7 +15943,235 @@
             <a:bodyPr spcFirstLastPara="1" wrap="square" lIns="91425" tIns="91425" rIns="91425" bIns="91425" anchor="ctr" anchorCtr="0">
               <a:noAutofit/>
             </a:bodyPr>
-            <a:lstStyle/>
+            <a:lstStyle>
+              <a:defPPr marR="0" lvl="0" algn="l" rtl="0">
+                <a:lnSpc>
+                  <a:spcPct val="100000"/>
+                </a:lnSpc>
+                <a:spcBef>
+                  <a:spcPts val="0"/>
+                </a:spcBef>
+                <a:spcAft>
+                  <a:spcPts val="0"/>
+                </a:spcAft>
+              </a:defPPr>
+              <a:lvl1pPr marR="0" lvl="0" algn="l" rtl="0">
+                <a:lnSpc>
+                  <a:spcPct val="100000"/>
+                </a:lnSpc>
+                <a:spcBef>
+                  <a:spcPts val="0"/>
+                </a:spcBef>
+                <a:spcAft>
+                  <a:spcPts val="0"/>
+                </a:spcAft>
+                <a:buClr>
+                  <a:srgbClr val="000000"/>
+                </a:buClr>
+                <a:buFont typeface="Arial"/>
+                <a:defRPr sz="1400" b="0" i="0" u="none" strike="noStrike" cap="none">
+                  <a:solidFill>
+                    <a:srgbClr val="000000"/>
+                  </a:solidFill>
+                  <a:latin typeface="Arial"/>
+                  <a:ea typeface="Arial"/>
+                  <a:cs typeface="Arial"/>
+                  <a:sym typeface="Arial"/>
+                </a:defRPr>
+              </a:lvl1pPr>
+              <a:lvl2pPr marR="0" lvl="1" algn="l" rtl="0">
+                <a:lnSpc>
+                  <a:spcPct val="100000"/>
+                </a:lnSpc>
+                <a:spcBef>
+                  <a:spcPts val="0"/>
+                </a:spcBef>
+                <a:spcAft>
+                  <a:spcPts val="0"/>
+                </a:spcAft>
+                <a:buClr>
+                  <a:srgbClr val="000000"/>
+                </a:buClr>
+                <a:buFont typeface="Arial"/>
+                <a:defRPr sz="1400" b="0" i="0" u="none" strike="noStrike" cap="none">
+                  <a:solidFill>
+                    <a:srgbClr val="000000"/>
+                  </a:solidFill>
+                  <a:latin typeface="Arial"/>
+                  <a:ea typeface="Arial"/>
+                  <a:cs typeface="Arial"/>
+                  <a:sym typeface="Arial"/>
+                </a:defRPr>
+              </a:lvl2pPr>
+              <a:lvl3pPr marR="0" lvl="2" algn="l" rtl="0">
+                <a:lnSpc>
+                  <a:spcPct val="100000"/>
+                </a:lnSpc>
+                <a:spcBef>
+                  <a:spcPts val="0"/>
+                </a:spcBef>
+                <a:spcAft>
+                  <a:spcPts val="0"/>
+                </a:spcAft>
+                <a:buClr>
+                  <a:srgbClr val="000000"/>
+                </a:buClr>
+                <a:buFont typeface="Arial"/>
+                <a:defRPr sz="1400" b="0" i="0" u="none" strike="noStrike" cap="none">
+                  <a:solidFill>
+                    <a:srgbClr val="000000"/>
+                  </a:solidFill>
+                  <a:latin typeface="Arial"/>
+                  <a:ea typeface="Arial"/>
+                  <a:cs typeface="Arial"/>
+                  <a:sym typeface="Arial"/>
+                </a:defRPr>
+              </a:lvl3pPr>
+              <a:lvl4pPr marR="0" lvl="3" algn="l" rtl="0">
+                <a:lnSpc>
+                  <a:spcPct val="100000"/>
+                </a:lnSpc>
+                <a:spcBef>
+                  <a:spcPts val="0"/>
+                </a:spcBef>
+                <a:spcAft>
+                  <a:spcPts val="0"/>
+                </a:spcAft>
+                <a:buClr>
+                  <a:srgbClr val="000000"/>
+                </a:buClr>
+                <a:buFont typeface="Arial"/>
+                <a:defRPr sz="1400" b="0" i="0" u="none" strike="noStrike" cap="none">
+                  <a:solidFill>
+                    <a:srgbClr val="000000"/>
+                  </a:solidFill>
+                  <a:latin typeface="Arial"/>
+                  <a:ea typeface="Arial"/>
+                  <a:cs typeface="Arial"/>
+                  <a:sym typeface="Arial"/>
+                </a:defRPr>
+              </a:lvl4pPr>
+              <a:lvl5pPr marR="0" lvl="4" algn="l" rtl="0">
+                <a:lnSpc>
+                  <a:spcPct val="100000"/>
+                </a:lnSpc>
+                <a:spcBef>
+                  <a:spcPts val="0"/>
+                </a:spcBef>
+                <a:spcAft>
+                  <a:spcPts val="0"/>
+                </a:spcAft>
+                <a:buClr>
+                  <a:srgbClr val="000000"/>
+                </a:buClr>
+                <a:buFont typeface="Arial"/>
+                <a:defRPr sz="1400" b="0" i="0" u="none" strike="noStrike" cap="none">
+                  <a:solidFill>
+                    <a:srgbClr val="000000"/>
+                  </a:solidFill>
+                  <a:latin typeface="Arial"/>
+                  <a:ea typeface="Arial"/>
+                  <a:cs typeface="Arial"/>
+                  <a:sym typeface="Arial"/>
+                </a:defRPr>
+              </a:lvl5pPr>
+              <a:lvl6pPr marR="0" lvl="5" algn="l" rtl="0">
+                <a:lnSpc>
+                  <a:spcPct val="100000"/>
+                </a:lnSpc>
+                <a:spcBef>
+                  <a:spcPts val="0"/>
+                </a:spcBef>
+                <a:spcAft>
+                  <a:spcPts val="0"/>
+                </a:spcAft>
+                <a:buClr>
+                  <a:srgbClr val="000000"/>
+                </a:buClr>
+                <a:buFont typeface="Arial"/>
+                <a:defRPr sz="1400" b="0" i="0" u="none" strike="noStrike" cap="none">
+                  <a:solidFill>
+                    <a:srgbClr val="000000"/>
+                  </a:solidFill>
+                  <a:latin typeface="Arial"/>
+                  <a:ea typeface="Arial"/>
+                  <a:cs typeface="Arial"/>
+                  <a:sym typeface="Arial"/>
+                </a:defRPr>
+              </a:lvl6pPr>
+              <a:lvl7pPr marR="0" lvl="6" algn="l" rtl="0">
+                <a:lnSpc>
+                  <a:spcPct val="100000"/>
+                </a:lnSpc>
+                <a:spcBef>
+                  <a:spcPts val="0"/>
+                </a:spcBef>
+                <a:spcAft>
+                  <a:spcPts val="0"/>
+                </a:spcAft>
+                <a:buClr>
+                  <a:srgbClr val="000000"/>
+                </a:buClr>
+                <a:buFont typeface="Arial"/>
+                <a:defRPr sz="1400" b="0" i="0" u="none" strike="noStrike" cap="none">
+                  <a:solidFill>
+                    <a:srgbClr val="000000"/>
+                  </a:solidFill>
+                  <a:latin typeface="Arial"/>
+                  <a:ea typeface="Arial"/>
+                  <a:cs typeface="Arial"/>
+                  <a:sym typeface="Arial"/>
+                </a:defRPr>
+              </a:lvl7pPr>
+              <a:lvl8pPr marR="0" lvl="7" algn="l" rtl="0">
+                <a:lnSpc>
+                  <a:spcPct val="100000"/>
+                </a:lnSpc>
+                <a:spcBef>
+                  <a:spcPts val="0"/>
+                </a:spcBef>
+                <a:spcAft>
+                  <a:spcPts val="0"/>
+                </a:spcAft>
+                <a:buClr>
+                  <a:srgbClr val="000000"/>
+                </a:buClr>
+                <a:buFont typeface="Arial"/>
+                <a:defRPr sz="1400" b="0" i="0" u="none" strike="noStrike" cap="none">
+                  <a:solidFill>
+                    <a:srgbClr val="000000"/>
+                  </a:solidFill>
+                  <a:latin typeface="Arial"/>
+                  <a:ea typeface="Arial"/>
+                  <a:cs typeface="Arial"/>
+                  <a:sym typeface="Arial"/>
+                </a:defRPr>
+              </a:lvl8pPr>
+              <a:lvl9pPr marR="0" lvl="8" algn="l" rtl="0">
+                <a:lnSpc>
+                  <a:spcPct val="100000"/>
+                </a:lnSpc>
+                <a:spcBef>
+                  <a:spcPts val="0"/>
+                </a:spcBef>
+                <a:spcAft>
+                  <a:spcPts val="0"/>
+                </a:spcAft>
+                <a:buClr>
+                  <a:srgbClr val="000000"/>
+                </a:buClr>
+                <a:buFont typeface="Arial"/>
+                <a:defRPr sz="1400" b="0" i="0" u="none" strike="noStrike" cap="none">
+                  <a:solidFill>
+                    <a:srgbClr val="000000"/>
+                  </a:solidFill>
+                  <a:latin typeface="Arial"/>
+                  <a:ea typeface="Arial"/>
+                  <a:cs typeface="Arial"/>
+                  <a:sym typeface="Arial"/>
+                </a:defRPr>
+              </a:lvl9pPr>
+            </a:lstStyle>
             <a:p>
               <a:pPr marL="0" lvl="0" indent="0" algn="l" rtl="0">
                 <a:spcBef>
@@ -16230,10 +16188,10 @@
         </p:sp>
         <p:sp>
           <p:nvSpPr>
-            <p:cNvPr id="27" name="Google Shape;536;p36">
+            <p:cNvPr id="14" name="Google Shape;567;p36">
               <a:extLst>
                 <a:ext uri="{FF2B5EF4-FFF2-40B4-BE49-F238E27FC236}">
-                  <a16:creationId xmlns:a16="http://schemas.microsoft.com/office/drawing/2014/main" id="{EAB0598F-51EB-4EF0-B9B6-98231C6DE378}"/>
+                  <a16:creationId xmlns:a16="http://schemas.microsoft.com/office/drawing/2014/main" id="{6AE3FEE8-1E37-4920-9417-C8B5484CDCCF}"/>
                 </a:ext>
               </a:extLst>
             </p:cNvPr>
@@ -16242,8 +16200,8 @@
           </p:nvSpPr>
           <p:spPr>
             <a:xfrm>
-              <a:off x="3992525" y="3021125"/>
-              <a:ext cx="242425" cy="242425"/>
+              <a:off x="4642200" y="3730000"/>
+              <a:ext cx="389550" cy="249150"/>
             </a:xfrm>
             <a:custGeom>
               <a:avLst/>
@@ -16252,391 +16210,429 @@
               <a:cxnLst/>
               <a:rect l="l" t="t" r="r" b="b"/>
               <a:pathLst>
-                <a:path w="9697" h="9697" extrusionOk="0">
+                <a:path w="15582" h="9966" extrusionOk="0">
                   <a:moveTo>
-                    <a:pt x="4934" y="1466"/>
+                    <a:pt x="14752" y="1"/>
                   </a:moveTo>
                   <a:lnTo>
-                    <a:pt x="5008" y="1490"/>
-                  </a:lnTo>
-                  <a:lnTo>
-                    <a:pt x="5081" y="1539"/>
-                  </a:lnTo>
-                  <a:lnTo>
-                    <a:pt x="5154" y="1588"/>
-                  </a:lnTo>
-                  <a:lnTo>
-                    <a:pt x="5203" y="1637"/>
-                  </a:lnTo>
-                  <a:lnTo>
-                    <a:pt x="5252" y="1734"/>
-                  </a:lnTo>
-                  <a:lnTo>
-                    <a:pt x="5276" y="1808"/>
-                  </a:lnTo>
-                  <a:lnTo>
-                    <a:pt x="5276" y="1905"/>
-                  </a:lnTo>
-                  <a:lnTo>
-                    <a:pt x="5276" y="1979"/>
-                  </a:lnTo>
-                  <a:lnTo>
-                    <a:pt x="5252" y="2076"/>
-                  </a:lnTo>
-                  <a:lnTo>
-                    <a:pt x="5203" y="2150"/>
-                  </a:lnTo>
-                  <a:lnTo>
-                    <a:pt x="5154" y="2198"/>
-                  </a:lnTo>
-                  <a:lnTo>
-                    <a:pt x="5081" y="2247"/>
-                  </a:lnTo>
-                  <a:lnTo>
-                    <a:pt x="5008" y="2296"/>
-                  </a:lnTo>
-                  <a:lnTo>
-                    <a:pt x="4934" y="2321"/>
-                  </a:lnTo>
-                  <a:lnTo>
-                    <a:pt x="4837" y="2345"/>
-                  </a:lnTo>
-                  <a:lnTo>
-                    <a:pt x="4593" y="2345"/>
-                  </a:lnTo>
-                  <a:lnTo>
-                    <a:pt x="4348" y="2394"/>
-                  </a:lnTo>
-                  <a:lnTo>
-                    <a:pt x="4104" y="2443"/>
-                  </a:lnTo>
-                  <a:lnTo>
-                    <a:pt x="3860" y="2540"/>
-                  </a:lnTo>
-                  <a:lnTo>
-                    <a:pt x="3640" y="2638"/>
-                  </a:lnTo>
-                  <a:lnTo>
-                    <a:pt x="3445" y="2760"/>
-                  </a:lnTo>
-                  <a:lnTo>
-                    <a:pt x="3249" y="2907"/>
-                  </a:lnTo>
-                  <a:lnTo>
-                    <a:pt x="3054" y="3078"/>
-                  </a:lnTo>
-                  <a:lnTo>
-                    <a:pt x="2907" y="3249"/>
-                  </a:lnTo>
-                  <a:lnTo>
-                    <a:pt x="2761" y="3444"/>
-                  </a:lnTo>
-                  <a:lnTo>
-                    <a:pt x="2639" y="3664"/>
-                  </a:lnTo>
-                  <a:lnTo>
-                    <a:pt x="2517" y="3884"/>
-                  </a:lnTo>
-                  <a:lnTo>
-                    <a:pt x="2443" y="4103"/>
-                  </a:lnTo>
-                  <a:lnTo>
-                    <a:pt x="2370" y="4348"/>
-                  </a:lnTo>
-                  <a:lnTo>
-                    <a:pt x="2346" y="4592"/>
-                  </a:lnTo>
-                  <a:lnTo>
-                    <a:pt x="2321" y="4861"/>
-                  </a:lnTo>
-                  <a:lnTo>
-                    <a:pt x="2321" y="4934"/>
-                  </a:lnTo>
-                  <a:lnTo>
-                    <a:pt x="2297" y="5032"/>
-                  </a:lnTo>
-                  <a:lnTo>
-                    <a:pt x="2248" y="5105"/>
-                  </a:lnTo>
-                  <a:lnTo>
-                    <a:pt x="2199" y="5154"/>
-                  </a:lnTo>
-                  <a:lnTo>
-                    <a:pt x="2126" y="5227"/>
-                  </a:lnTo>
-                  <a:lnTo>
-                    <a:pt x="2053" y="5251"/>
-                  </a:lnTo>
-                  <a:lnTo>
-                    <a:pt x="1979" y="5276"/>
-                  </a:lnTo>
-                  <a:lnTo>
-                    <a:pt x="1882" y="5300"/>
-                  </a:lnTo>
-                  <a:lnTo>
-                    <a:pt x="1808" y="5276"/>
-                  </a:lnTo>
-                  <a:lnTo>
-                    <a:pt x="1711" y="5251"/>
-                  </a:lnTo>
-                  <a:lnTo>
-                    <a:pt x="1637" y="5227"/>
-                  </a:lnTo>
-                  <a:lnTo>
-                    <a:pt x="1564" y="5154"/>
-                  </a:lnTo>
-                  <a:lnTo>
-                    <a:pt x="1515" y="5105"/>
-                  </a:lnTo>
-                  <a:lnTo>
-                    <a:pt x="1491" y="5032"/>
-                  </a:lnTo>
-                  <a:lnTo>
-                    <a:pt x="1466" y="4934"/>
-                  </a:lnTo>
-                  <a:lnTo>
-                    <a:pt x="1442" y="4861"/>
-                  </a:lnTo>
-                  <a:lnTo>
-                    <a:pt x="1466" y="4494"/>
-                  </a:lnTo>
-                  <a:lnTo>
-                    <a:pt x="1515" y="4177"/>
-                  </a:lnTo>
-                  <a:lnTo>
-                    <a:pt x="1588" y="3835"/>
-                  </a:lnTo>
-                  <a:lnTo>
-                    <a:pt x="1711" y="3542"/>
-                  </a:lnTo>
-                  <a:lnTo>
-                    <a:pt x="1857" y="3224"/>
-                  </a:lnTo>
-                  <a:lnTo>
-                    <a:pt x="2028" y="2956"/>
-                  </a:lnTo>
-                  <a:lnTo>
-                    <a:pt x="2223" y="2687"/>
-                  </a:lnTo>
-                  <a:lnTo>
-                    <a:pt x="2443" y="2443"/>
-                  </a:lnTo>
-                  <a:lnTo>
-                    <a:pt x="2688" y="2223"/>
-                  </a:lnTo>
-                  <a:lnTo>
-                    <a:pt x="2956" y="2028"/>
-                  </a:lnTo>
-                  <a:lnTo>
-                    <a:pt x="3225" y="1857"/>
-                  </a:lnTo>
-                  <a:lnTo>
-                    <a:pt x="3518" y="1710"/>
-                  </a:lnTo>
-                  <a:lnTo>
-                    <a:pt x="3835" y="1612"/>
-                  </a:lnTo>
-                  <a:lnTo>
-                    <a:pt x="4153" y="1515"/>
-                  </a:lnTo>
-                  <a:lnTo>
-                    <a:pt x="4495" y="1466"/>
-                  </a:lnTo>
-                  <a:close/>
-                  <a:moveTo>
-                    <a:pt x="4837" y="0"/>
-                  </a:moveTo>
-                  <a:lnTo>
-                    <a:pt x="4348" y="25"/>
-                  </a:lnTo>
-                  <a:lnTo>
-                    <a:pt x="3860" y="98"/>
-                  </a:lnTo>
-                  <a:lnTo>
-                    <a:pt x="3396" y="220"/>
-                  </a:lnTo>
-                  <a:lnTo>
-                    <a:pt x="2956" y="391"/>
-                  </a:lnTo>
-                  <a:lnTo>
-                    <a:pt x="2541" y="587"/>
-                  </a:lnTo>
-                  <a:lnTo>
-                    <a:pt x="2150" y="831"/>
-                  </a:lnTo>
-                  <a:lnTo>
-                    <a:pt x="1759" y="1124"/>
-                  </a:lnTo>
-                  <a:lnTo>
-                    <a:pt x="1418" y="1441"/>
-                  </a:lnTo>
-                  <a:lnTo>
-                    <a:pt x="1100" y="1783"/>
-                  </a:lnTo>
-                  <a:lnTo>
-                    <a:pt x="831" y="2150"/>
-                  </a:lnTo>
-                  <a:lnTo>
-                    <a:pt x="587" y="2540"/>
-                  </a:lnTo>
-                  <a:lnTo>
-                    <a:pt x="392" y="2980"/>
-                  </a:lnTo>
-                  <a:lnTo>
-                    <a:pt x="221" y="3420"/>
-                  </a:lnTo>
-                  <a:lnTo>
-                    <a:pt x="99" y="3884"/>
-                  </a:lnTo>
-                  <a:lnTo>
-                    <a:pt x="25" y="4348"/>
-                  </a:lnTo>
-                  <a:lnTo>
-                    <a:pt x="1" y="4861"/>
-                  </a:lnTo>
-                  <a:lnTo>
-                    <a:pt x="25" y="5349"/>
-                  </a:lnTo>
-                  <a:lnTo>
-                    <a:pt x="99" y="5838"/>
-                  </a:lnTo>
-                  <a:lnTo>
-                    <a:pt x="221" y="6302"/>
-                  </a:lnTo>
-                  <a:lnTo>
-                    <a:pt x="392" y="6741"/>
-                  </a:lnTo>
-                  <a:lnTo>
-                    <a:pt x="587" y="7156"/>
-                  </a:lnTo>
-                  <a:lnTo>
-                    <a:pt x="831" y="7547"/>
-                  </a:lnTo>
-                  <a:lnTo>
-                    <a:pt x="1100" y="7938"/>
-                  </a:lnTo>
-                  <a:lnTo>
-                    <a:pt x="1418" y="8280"/>
-                  </a:lnTo>
-                  <a:lnTo>
-                    <a:pt x="1759" y="8597"/>
-                  </a:lnTo>
-                  <a:lnTo>
-                    <a:pt x="2150" y="8866"/>
-                  </a:lnTo>
-                  <a:lnTo>
-                    <a:pt x="2541" y="9110"/>
-                  </a:lnTo>
-                  <a:lnTo>
-                    <a:pt x="2956" y="9306"/>
-                  </a:lnTo>
-                  <a:lnTo>
-                    <a:pt x="3396" y="9477"/>
-                  </a:lnTo>
-                  <a:lnTo>
-                    <a:pt x="3860" y="9599"/>
-                  </a:lnTo>
-                  <a:lnTo>
-                    <a:pt x="4348" y="9672"/>
-                  </a:lnTo>
-                  <a:lnTo>
-                    <a:pt x="4837" y="9696"/>
-                  </a:lnTo>
-                  <a:lnTo>
-                    <a:pt x="5350" y="9672"/>
-                  </a:lnTo>
-                  <a:lnTo>
-                    <a:pt x="5814" y="9599"/>
-                  </a:lnTo>
-                  <a:lnTo>
-                    <a:pt x="6278" y="9477"/>
-                  </a:lnTo>
-                  <a:lnTo>
-                    <a:pt x="6717" y="9306"/>
-                  </a:lnTo>
-                  <a:lnTo>
-                    <a:pt x="7157" y="9110"/>
-                  </a:lnTo>
-                  <a:lnTo>
-                    <a:pt x="7548" y="8866"/>
-                  </a:lnTo>
-                  <a:lnTo>
-                    <a:pt x="7914" y="8597"/>
-                  </a:lnTo>
-                  <a:lnTo>
-                    <a:pt x="8256" y="8280"/>
-                  </a:lnTo>
-                  <a:lnTo>
-                    <a:pt x="8573" y="7938"/>
-                  </a:lnTo>
-                  <a:lnTo>
-                    <a:pt x="8867" y="7547"/>
-                  </a:lnTo>
-                  <a:lnTo>
-                    <a:pt x="9111" y="7156"/>
-                  </a:lnTo>
-                  <a:lnTo>
-                    <a:pt x="9306" y="6741"/>
-                  </a:lnTo>
-                  <a:lnTo>
-                    <a:pt x="9477" y="6302"/>
-                  </a:lnTo>
-                  <a:lnTo>
-                    <a:pt x="9599" y="5838"/>
-                  </a:lnTo>
-                  <a:lnTo>
-                    <a:pt x="9673" y="5349"/>
-                  </a:lnTo>
-                  <a:lnTo>
-                    <a:pt x="9697" y="4861"/>
-                  </a:lnTo>
-                  <a:lnTo>
-                    <a:pt x="9673" y="4348"/>
-                  </a:lnTo>
-                  <a:lnTo>
-                    <a:pt x="9599" y="3884"/>
-                  </a:lnTo>
-                  <a:lnTo>
-                    <a:pt x="9477" y="3420"/>
-                  </a:lnTo>
-                  <a:lnTo>
-                    <a:pt x="9306" y="2980"/>
-                  </a:lnTo>
-                  <a:lnTo>
-                    <a:pt x="9111" y="2540"/>
-                  </a:lnTo>
-                  <a:lnTo>
-                    <a:pt x="8867" y="2150"/>
-                  </a:lnTo>
-                  <a:lnTo>
-                    <a:pt x="8573" y="1783"/>
-                  </a:lnTo>
-                  <a:lnTo>
-                    <a:pt x="8256" y="1441"/>
-                  </a:lnTo>
-                  <a:lnTo>
-                    <a:pt x="7914" y="1124"/>
-                  </a:lnTo>
-                  <a:lnTo>
-                    <a:pt x="7548" y="831"/>
-                  </a:lnTo>
-                  <a:lnTo>
-                    <a:pt x="7157" y="587"/>
-                  </a:lnTo>
-                  <a:lnTo>
-                    <a:pt x="6717" y="391"/>
-                  </a:lnTo>
-                  <a:lnTo>
-                    <a:pt x="6278" y="220"/>
-                  </a:lnTo>
-                  <a:lnTo>
-                    <a:pt x="5814" y="98"/>
-                  </a:lnTo>
-                  <a:lnTo>
-                    <a:pt x="5350" y="25"/>
-                  </a:lnTo>
-                  <a:lnTo>
-                    <a:pt x="4837" y="0"/>
+                    <a:pt x="14629" y="49"/>
+                  </a:lnTo>
+                  <a:lnTo>
+                    <a:pt x="14507" y="98"/>
+                  </a:lnTo>
+                  <a:lnTo>
+                    <a:pt x="14410" y="196"/>
+                  </a:lnTo>
+                  <a:lnTo>
+                    <a:pt x="14336" y="294"/>
+                  </a:lnTo>
+                  <a:lnTo>
+                    <a:pt x="14263" y="416"/>
+                  </a:lnTo>
+                  <a:lnTo>
+                    <a:pt x="14239" y="538"/>
+                  </a:lnTo>
+                  <a:lnTo>
+                    <a:pt x="14214" y="684"/>
+                  </a:lnTo>
+                  <a:lnTo>
+                    <a:pt x="14239" y="831"/>
+                  </a:lnTo>
+                  <a:lnTo>
+                    <a:pt x="14288" y="1002"/>
+                  </a:lnTo>
+                  <a:lnTo>
+                    <a:pt x="11308" y="4372"/>
+                  </a:lnTo>
+                  <a:lnTo>
+                    <a:pt x="11161" y="4323"/>
+                  </a:lnTo>
+                  <a:lnTo>
+                    <a:pt x="11015" y="4299"/>
+                  </a:lnTo>
+                  <a:lnTo>
+                    <a:pt x="10844" y="4323"/>
+                  </a:lnTo>
+                  <a:lnTo>
+                    <a:pt x="10087" y="3005"/>
+                  </a:lnTo>
+                  <a:lnTo>
+                    <a:pt x="10160" y="2907"/>
+                  </a:lnTo>
+                  <a:lnTo>
+                    <a:pt x="10209" y="2809"/>
+                  </a:lnTo>
+                  <a:lnTo>
+                    <a:pt x="10233" y="2687"/>
+                  </a:lnTo>
+                  <a:lnTo>
+                    <a:pt x="10233" y="2565"/>
+                  </a:lnTo>
+                  <a:lnTo>
+                    <a:pt x="10233" y="2418"/>
+                  </a:lnTo>
+                  <a:lnTo>
+                    <a:pt x="10184" y="2296"/>
+                  </a:lnTo>
+                  <a:lnTo>
+                    <a:pt x="10136" y="2174"/>
+                  </a:lnTo>
+                  <a:lnTo>
+                    <a:pt x="10038" y="2077"/>
+                  </a:lnTo>
+                  <a:lnTo>
+                    <a:pt x="9940" y="2003"/>
+                  </a:lnTo>
+                  <a:lnTo>
+                    <a:pt x="9818" y="1930"/>
+                  </a:lnTo>
+                  <a:lnTo>
+                    <a:pt x="9696" y="1906"/>
+                  </a:lnTo>
+                  <a:lnTo>
+                    <a:pt x="9549" y="1881"/>
+                  </a:lnTo>
+                  <a:lnTo>
+                    <a:pt x="9427" y="1906"/>
+                  </a:lnTo>
+                  <a:lnTo>
+                    <a:pt x="9281" y="1930"/>
+                  </a:lnTo>
+                  <a:lnTo>
+                    <a:pt x="9183" y="2003"/>
+                  </a:lnTo>
+                  <a:lnTo>
+                    <a:pt x="9085" y="2077"/>
+                  </a:lnTo>
+                  <a:lnTo>
+                    <a:pt x="8988" y="2174"/>
+                  </a:lnTo>
+                  <a:lnTo>
+                    <a:pt x="8939" y="2296"/>
+                  </a:lnTo>
+                  <a:lnTo>
+                    <a:pt x="8890" y="2418"/>
+                  </a:lnTo>
+                  <a:lnTo>
+                    <a:pt x="8866" y="2565"/>
+                  </a:lnTo>
+                  <a:lnTo>
+                    <a:pt x="8890" y="2663"/>
+                  </a:lnTo>
+                  <a:lnTo>
+                    <a:pt x="8914" y="2785"/>
+                  </a:lnTo>
+                  <a:lnTo>
+                    <a:pt x="8939" y="2883"/>
+                  </a:lnTo>
+                  <a:lnTo>
+                    <a:pt x="8988" y="2956"/>
+                  </a:lnTo>
+                  <a:lnTo>
+                    <a:pt x="6521" y="6668"/>
+                  </a:lnTo>
+                  <a:lnTo>
+                    <a:pt x="6399" y="6644"/>
+                  </a:lnTo>
+                  <a:lnTo>
+                    <a:pt x="6130" y="6644"/>
+                  </a:lnTo>
+                  <a:lnTo>
+                    <a:pt x="5959" y="6717"/>
+                  </a:lnTo>
+                  <a:lnTo>
+                    <a:pt x="4714" y="5398"/>
+                  </a:lnTo>
+                  <a:lnTo>
+                    <a:pt x="4763" y="5252"/>
+                  </a:lnTo>
+                  <a:lnTo>
+                    <a:pt x="4763" y="5105"/>
+                  </a:lnTo>
+                  <a:lnTo>
+                    <a:pt x="4763" y="4958"/>
+                  </a:lnTo>
+                  <a:lnTo>
+                    <a:pt x="4714" y="4836"/>
+                  </a:lnTo>
+                  <a:lnTo>
+                    <a:pt x="4665" y="4714"/>
+                  </a:lnTo>
+                  <a:lnTo>
+                    <a:pt x="4567" y="4617"/>
+                  </a:lnTo>
+                  <a:lnTo>
+                    <a:pt x="4470" y="4543"/>
+                  </a:lnTo>
+                  <a:lnTo>
+                    <a:pt x="4347" y="4470"/>
+                  </a:lnTo>
+                  <a:lnTo>
+                    <a:pt x="4225" y="4446"/>
+                  </a:lnTo>
+                  <a:lnTo>
+                    <a:pt x="4079" y="4421"/>
+                  </a:lnTo>
+                  <a:lnTo>
+                    <a:pt x="3957" y="4446"/>
+                  </a:lnTo>
+                  <a:lnTo>
+                    <a:pt x="3810" y="4470"/>
+                  </a:lnTo>
+                  <a:lnTo>
+                    <a:pt x="3712" y="4543"/>
+                  </a:lnTo>
+                  <a:lnTo>
+                    <a:pt x="3615" y="4617"/>
+                  </a:lnTo>
+                  <a:lnTo>
+                    <a:pt x="3517" y="4714"/>
+                  </a:lnTo>
+                  <a:lnTo>
+                    <a:pt x="3468" y="4836"/>
+                  </a:lnTo>
+                  <a:lnTo>
+                    <a:pt x="3419" y="4958"/>
+                  </a:lnTo>
+                  <a:lnTo>
+                    <a:pt x="3395" y="5105"/>
+                  </a:lnTo>
+                  <a:lnTo>
+                    <a:pt x="3419" y="5276"/>
+                  </a:lnTo>
+                  <a:lnTo>
+                    <a:pt x="3493" y="5447"/>
+                  </a:lnTo>
+                  <a:lnTo>
+                    <a:pt x="49" y="9574"/>
+                  </a:lnTo>
+                  <a:lnTo>
+                    <a:pt x="0" y="9648"/>
+                  </a:lnTo>
+                  <a:lnTo>
+                    <a:pt x="0" y="9745"/>
+                  </a:lnTo>
+                  <a:lnTo>
+                    <a:pt x="25" y="9843"/>
+                  </a:lnTo>
+                  <a:lnTo>
+                    <a:pt x="98" y="9916"/>
+                  </a:lnTo>
+                  <a:lnTo>
+                    <a:pt x="171" y="9965"/>
+                  </a:lnTo>
+                  <a:lnTo>
+                    <a:pt x="244" y="9965"/>
+                  </a:lnTo>
+                  <a:lnTo>
+                    <a:pt x="342" y="9941"/>
+                  </a:lnTo>
+                  <a:lnTo>
+                    <a:pt x="440" y="9892"/>
+                  </a:lnTo>
+                  <a:lnTo>
+                    <a:pt x="3859" y="5740"/>
+                  </a:lnTo>
+                  <a:lnTo>
+                    <a:pt x="3981" y="5789"/>
+                  </a:lnTo>
+                  <a:lnTo>
+                    <a:pt x="4079" y="5789"/>
+                  </a:lnTo>
+                  <a:lnTo>
+                    <a:pt x="4225" y="5764"/>
+                  </a:lnTo>
+                  <a:lnTo>
+                    <a:pt x="4347" y="5740"/>
+                  </a:lnTo>
+                  <a:lnTo>
+                    <a:pt x="5642" y="7083"/>
+                  </a:lnTo>
+                  <a:lnTo>
+                    <a:pt x="5617" y="7205"/>
+                  </a:lnTo>
+                  <a:lnTo>
+                    <a:pt x="5617" y="7328"/>
+                  </a:lnTo>
+                  <a:lnTo>
+                    <a:pt x="5617" y="7450"/>
+                  </a:lnTo>
+                  <a:lnTo>
+                    <a:pt x="5666" y="7572"/>
+                  </a:lnTo>
+                  <a:lnTo>
+                    <a:pt x="5740" y="7694"/>
+                  </a:lnTo>
+                  <a:lnTo>
+                    <a:pt x="5813" y="7792"/>
+                  </a:lnTo>
+                  <a:lnTo>
+                    <a:pt x="5910" y="7889"/>
+                  </a:lnTo>
+                  <a:lnTo>
+                    <a:pt x="6033" y="7938"/>
+                  </a:lnTo>
+                  <a:lnTo>
+                    <a:pt x="6155" y="7987"/>
+                  </a:lnTo>
+                  <a:lnTo>
+                    <a:pt x="6301" y="8011"/>
+                  </a:lnTo>
+                  <a:lnTo>
+                    <a:pt x="6448" y="7987"/>
+                  </a:lnTo>
+                  <a:lnTo>
+                    <a:pt x="6570" y="7938"/>
+                  </a:lnTo>
+                  <a:lnTo>
+                    <a:pt x="6692" y="7889"/>
+                  </a:lnTo>
+                  <a:lnTo>
+                    <a:pt x="6790" y="7792"/>
+                  </a:lnTo>
+                  <a:lnTo>
+                    <a:pt x="6863" y="7694"/>
+                  </a:lnTo>
+                  <a:lnTo>
+                    <a:pt x="6936" y="7572"/>
+                  </a:lnTo>
+                  <a:lnTo>
+                    <a:pt x="6961" y="7450"/>
+                  </a:lnTo>
+                  <a:lnTo>
+                    <a:pt x="6985" y="7328"/>
+                  </a:lnTo>
+                  <a:lnTo>
+                    <a:pt x="6961" y="7132"/>
+                  </a:lnTo>
+                  <a:lnTo>
+                    <a:pt x="6887" y="6986"/>
+                  </a:lnTo>
+                  <a:lnTo>
+                    <a:pt x="9403" y="3224"/>
+                  </a:lnTo>
+                  <a:lnTo>
+                    <a:pt x="9549" y="3249"/>
+                  </a:lnTo>
+                  <a:lnTo>
+                    <a:pt x="9647" y="3249"/>
+                  </a:lnTo>
+                  <a:lnTo>
+                    <a:pt x="10429" y="4617"/>
+                  </a:lnTo>
+                  <a:lnTo>
+                    <a:pt x="10355" y="4788"/>
+                  </a:lnTo>
+                  <a:lnTo>
+                    <a:pt x="10331" y="4885"/>
+                  </a:lnTo>
+                  <a:lnTo>
+                    <a:pt x="10331" y="4983"/>
+                  </a:lnTo>
+                  <a:lnTo>
+                    <a:pt x="10331" y="5129"/>
+                  </a:lnTo>
+                  <a:lnTo>
+                    <a:pt x="10380" y="5252"/>
+                  </a:lnTo>
+                  <a:lnTo>
+                    <a:pt x="10429" y="5374"/>
+                  </a:lnTo>
+                  <a:lnTo>
+                    <a:pt x="10526" y="5471"/>
+                  </a:lnTo>
+                  <a:lnTo>
+                    <a:pt x="10624" y="5569"/>
+                  </a:lnTo>
+                  <a:lnTo>
+                    <a:pt x="10746" y="5618"/>
+                  </a:lnTo>
+                  <a:lnTo>
+                    <a:pt x="10868" y="5667"/>
+                  </a:lnTo>
+                  <a:lnTo>
+                    <a:pt x="11137" y="5667"/>
+                  </a:lnTo>
+                  <a:lnTo>
+                    <a:pt x="11284" y="5618"/>
+                  </a:lnTo>
+                  <a:lnTo>
+                    <a:pt x="11381" y="5569"/>
+                  </a:lnTo>
+                  <a:lnTo>
+                    <a:pt x="11479" y="5471"/>
+                  </a:lnTo>
+                  <a:lnTo>
+                    <a:pt x="11577" y="5374"/>
+                  </a:lnTo>
+                  <a:lnTo>
+                    <a:pt x="11625" y="5252"/>
+                  </a:lnTo>
+                  <a:lnTo>
+                    <a:pt x="11674" y="5129"/>
+                  </a:lnTo>
+                  <a:lnTo>
+                    <a:pt x="11699" y="4983"/>
+                  </a:lnTo>
+                  <a:lnTo>
+                    <a:pt x="11674" y="4861"/>
+                  </a:lnTo>
+                  <a:lnTo>
+                    <a:pt x="11650" y="4739"/>
+                  </a:lnTo>
+                  <a:lnTo>
+                    <a:pt x="14654" y="1319"/>
+                  </a:lnTo>
+                  <a:lnTo>
+                    <a:pt x="14776" y="1344"/>
+                  </a:lnTo>
+                  <a:lnTo>
+                    <a:pt x="14898" y="1368"/>
+                  </a:lnTo>
+                  <a:lnTo>
+                    <a:pt x="15045" y="1344"/>
+                  </a:lnTo>
+                  <a:lnTo>
+                    <a:pt x="15167" y="1295"/>
+                  </a:lnTo>
+                  <a:lnTo>
+                    <a:pt x="15289" y="1246"/>
+                  </a:lnTo>
+                  <a:lnTo>
+                    <a:pt x="15387" y="1148"/>
+                  </a:lnTo>
+                  <a:lnTo>
+                    <a:pt x="15460" y="1051"/>
+                  </a:lnTo>
+                  <a:lnTo>
+                    <a:pt x="15533" y="953"/>
+                  </a:lnTo>
+                  <a:lnTo>
+                    <a:pt x="15558" y="807"/>
+                  </a:lnTo>
+                  <a:lnTo>
+                    <a:pt x="15582" y="684"/>
+                  </a:lnTo>
+                  <a:lnTo>
+                    <a:pt x="15558" y="538"/>
+                  </a:lnTo>
+                  <a:lnTo>
+                    <a:pt x="15533" y="416"/>
+                  </a:lnTo>
+                  <a:lnTo>
+                    <a:pt x="15460" y="294"/>
+                  </a:lnTo>
+                  <a:lnTo>
+                    <a:pt x="15387" y="196"/>
+                  </a:lnTo>
+                  <a:lnTo>
+                    <a:pt x="15289" y="98"/>
+                  </a:lnTo>
+                  <a:lnTo>
+                    <a:pt x="15167" y="49"/>
+                  </a:lnTo>
+                  <a:lnTo>
+                    <a:pt x="15045" y="1"/>
                   </a:lnTo>
                   <a:close/>
                 </a:path>
@@ -16653,134 +16649,235 @@
             <a:bodyPr spcFirstLastPara="1" wrap="square" lIns="91425" tIns="91425" rIns="91425" bIns="91425" anchor="ctr" anchorCtr="0">
               <a:noAutofit/>
             </a:bodyPr>
-            <a:lstStyle/>
-            <a:p>
-              <a:pPr marL="0" lvl="0" indent="0" algn="l" rtl="0">
+            <a:lstStyle>
+              <a:defPPr marR="0" lvl="0" algn="l" rtl="0">
+                <a:lnSpc>
+                  <a:spcPct val="100000"/>
+                </a:lnSpc>
                 <a:spcBef>
                   <a:spcPts val="0"/>
                 </a:spcBef>
                 <a:spcAft>
                   <a:spcPts val="0"/>
                 </a:spcAft>
-                <a:buNone/>
-              </a:pPr>
-              <a:endParaRPr/>
-            </a:p>
-          </p:txBody>
-        </p:sp>
-        <p:sp>
-          <p:nvSpPr>
-            <p:cNvPr id="28" name="Google Shape;537;p36">
-              <a:extLst>
-                <a:ext uri="{FF2B5EF4-FFF2-40B4-BE49-F238E27FC236}">
-                  <a16:creationId xmlns:a16="http://schemas.microsoft.com/office/drawing/2014/main" id="{610AB75F-6B6F-40DD-B355-9DC641718513}"/>
-                </a:ext>
-              </a:extLst>
-            </p:cNvPr>
-            <p:cNvSpPr/>
-            <p:nvPr/>
-          </p:nvSpPr>
-          <p:spPr>
-            <a:xfrm>
-              <a:off x="4215400" y="3253150"/>
-              <a:ext cx="154500" cy="153875"/>
-            </a:xfrm>
-            <a:custGeom>
-              <a:avLst/>
-              <a:gdLst/>
-              <a:ahLst/>
-              <a:cxnLst/>
-              <a:rect l="l" t="t" r="r" b="b"/>
-              <a:pathLst>
-                <a:path w="6180" h="6155" extrusionOk="0">
-                  <a:moveTo>
-                    <a:pt x="1075" y="0"/>
-                  </a:moveTo>
-                  <a:lnTo>
-                    <a:pt x="831" y="269"/>
-                  </a:lnTo>
-                  <a:lnTo>
-                    <a:pt x="562" y="537"/>
-                  </a:lnTo>
-                  <a:lnTo>
-                    <a:pt x="293" y="782"/>
-                  </a:lnTo>
-                  <a:lnTo>
-                    <a:pt x="0" y="1026"/>
-                  </a:lnTo>
-                  <a:lnTo>
-                    <a:pt x="4983" y="6008"/>
-                  </a:lnTo>
-                  <a:lnTo>
-                    <a:pt x="5056" y="6057"/>
-                  </a:lnTo>
-                  <a:lnTo>
-                    <a:pt x="5129" y="6106"/>
-                  </a:lnTo>
-                  <a:lnTo>
-                    <a:pt x="5227" y="6130"/>
-                  </a:lnTo>
-                  <a:lnTo>
-                    <a:pt x="5325" y="6155"/>
-                  </a:lnTo>
-                  <a:lnTo>
-                    <a:pt x="5422" y="6130"/>
-                  </a:lnTo>
-                  <a:lnTo>
-                    <a:pt x="5496" y="6106"/>
-                  </a:lnTo>
-                  <a:lnTo>
-                    <a:pt x="5593" y="6057"/>
-                  </a:lnTo>
-                  <a:lnTo>
-                    <a:pt x="5667" y="6008"/>
-                  </a:lnTo>
-                  <a:lnTo>
-                    <a:pt x="6033" y="5642"/>
-                  </a:lnTo>
-                  <a:lnTo>
-                    <a:pt x="6106" y="5569"/>
-                  </a:lnTo>
-                  <a:lnTo>
-                    <a:pt x="6155" y="5471"/>
-                  </a:lnTo>
-                  <a:lnTo>
-                    <a:pt x="6179" y="5373"/>
-                  </a:lnTo>
-                  <a:lnTo>
-                    <a:pt x="6179" y="5300"/>
-                  </a:lnTo>
-                  <a:lnTo>
-                    <a:pt x="6179" y="5202"/>
-                  </a:lnTo>
-                  <a:lnTo>
-                    <a:pt x="6155" y="5105"/>
-                  </a:lnTo>
-                  <a:lnTo>
-                    <a:pt x="6106" y="5031"/>
-                  </a:lnTo>
-                  <a:lnTo>
-                    <a:pt x="6033" y="4934"/>
-                  </a:lnTo>
-                  <a:lnTo>
-                    <a:pt x="1075" y="0"/>
-                  </a:lnTo>
-                  <a:close/>
-                </a:path>
-              </a:pathLst>
-            </a:custGeom>
-            <a:solidFill>
-              <a:schemeClr val="dk1"/>
-            </a:solidFill>
-            <a:ln>
-              <a:noFill/>
-            </a:ln>
-          </p:spPr>
-          <p:txBody>
-            <a:bodyPr spcFirstLastPara="1" wrap="square" lIns="91425" tIns="91425" rIns="91425" bIns="91425" anchor="ctr" anchorCtr="0">
-              <a:noAutofit/>
-            </a:bodyPr>
-            <a:lstStyle/>
+              </a:defPPr>
+              <a:lvl1pPr marR="0" lvl="0" algn="l" rtl="0">
+                <a:lnSpc>
+                  <a:spcPct val="100000"/>
+                </a:lnSpc>
+                <a:spcBef>
+                  <a:spcPts val="0"/>
+                </a:spcBef>
+                <a:spcAft>
+                  <a:spcPts val="0"/>
+                </a:spcAft>
+                <a:buClr>
+                  <a:srgbClr val="000000"/>
+                </a:buClr>
+                <a:buFont typeface="Arial"/>
+                <a:defRPr sz="1400" b="0" i="0" u="none" strike="noStrike" cap="none">
+                  <a:solidFill>
+                    <a:srgbClr val="000000"/>
+                  </a:solidFill>
+                  <a:latin typeface="Arial"/>
+                  <a:ea typeface="Arial"/>
+                  <a:cs typeface="Arial"/>
+                  <a:sym typeface="Arial"/>
+                </a:defRPr>
+              </a:lvl1pPr>
+              <a:lvl2pPr marR="0" lvl="1" algn="l" rtl="0">
+                <a:lnSpc>
+                  <a:spcPct val="100000"/>
+                </a:lnSpc>
+                <a:spcBef>
+                  <a:spcPts val="0"/>
+                </a:spcBef>
+                <a:spcAft>
+                  <a:spcPts val="0"/>
+                </a:spcAft>
+                <a:buClr>
+                  <a:srgbClr val="000000"/>
+                </a:buClr>
+                <a:buFont typeface="Arial"/>
+                <a:defRPr sz="1400" b="0" i="0" u="none" strike="noStrike" cap="none">
+                  <a:solidFill>
+                    <a:srgbClr val="000000"/>
+                  </a:solidFill>
+                  <a:latin typeface="Arial"/>
+                  <a:ea typeface="Arial"/>
+                  <a:cs typeface="Arial"/>
+                  <a:sym typeface="Arial"/>
+                </a:defRPr>
+              </a:lvl2pPr>
+              <a:lvl3pPr marR="0" lvl="2" algn="l" rtl="0">
+                <a:lnSpc>
+                  <a:spcPct val="100000"/>
+                </a:lnSpc>
+                <a:spcBef>
+                  <a:spcPts val="0"/>
+                </a:spcBef>
+                <a:spcAft>
+                  <a:spcPts val="0"/>
+                </a:spcAft>
+                <a:buClr>
+                  <a:srgbClr val="000000"/>
+                </a:buClr>
+                <a:buFont typeface="Arial"/>
+                <a:defRPr sz="1400" b="0" i="0" u="none" strike="noStrike" cap="none">
+                  <a:solidFill>
+                    <a:srgbClr val="000000"/>
+                  </a:solidFill>
+                  <a:latin typeface="Arial"/>
+                  <a:ea typeface="Arial"/>
+                  <a:cs typeface="Arial"/>
+                  <a:sym typeface="Arial"/>
+                </a:defRPr>
+              </a:lvl3pPr>
+              <a:lvl4pPr marR="0" lvl="3" algn="l" rtl="0">
+                <a:lnSpc>
+                  <a:spcPct val="100000"/>
+                </a:lnSpc>
+                <a:spcBef>
+                  <a:spcPts val="0"/>
+                </a:spcBef>
+                <a:spcAft>
+                  <a:spcPts val="0"/>
+                </a:spcAft>
+                <a:buClr>
+                  <a:srgbClr val="000000"/>
+                </a:buClr>
+                <a:buFont typeface="Arial"/>
+                <a:defRPr sz="1400" b="0" i="0" u="none" strike="noStrike" cap="none">
+                  <a:solidFill>
+                    <a:srgbClr val="000000"/>
+                  </a:solidFill>
+                  <a:latin typeface="Arial"/>
+                  <a:ea typeface="Arial"/>
+                  <a:cs typeface="Arial"/>
+                  <a:sym typeface="Arial"/>
+                </a:defRPr>
+              </a:lvl4pPr>
+              <a:lvl5pPr marR="0" lvl="4" algn="l" rtl="0">
+                <a:lnSpc>
+                  <a:spcPct val="100000"/>
+                </a:lnSpc>
+                <a:spcBef>
+                  <a:spcPts val="0"/>
+                </a:spcBef>
+                <a:spcAft>
+                  <a:spcPts val="0"/>
+                </a:spcAft>
+                <a:buClr>
+                  <a:srgbClr val="000000"/>
+                </a:buClr>
+                <a:buFont typeface="Arial"/>
+                <a:defRPr sz="1400" b="0" i="0" u="none" strike="noStrike" cap="none">
+                  <a:solidFill>
+                    <a:srgbClr val="000000"/>
+                  </a:solidFill>
+                  <a:latin typeface="Arial"/>
+                  <a:ea typeface="Arial"/>
+                  <a:cs typeface="Arial"/>
+                  <a:sym typeface="Arial"/>
+                </a:defRPr>
+              </a:lvl5pPr>
+              <a:lvl6pPr marR="0" lvl="5" algn="l" rtl="0">
+                <a:lnSpc>
+                  <a:spcPct val="100000"/>
+                </a:lnSpc>
+                <a:spcBef>
+                  <a:spcPts val="0"/>
+                </a:spcBef>
+                <a:spcAft>
+                  <a:spcPts val="0"/>
+                </a:spcAft>
+                <a:buClr>
+                  <a:srgbClr val="000000"/>
+                </a:buClr>
+                <a:buFont typeface="Arial"/>
+                <a:defRPr sz="1400" b="0" i="0" u="none" strike="noStrike" cap="none">
+                  <a:solidFill>
+                    <a:srgbClr val="000000"/>
+                  </a:solidFill>
+                  <a:latin typeface="Arial"/>
+                  <a:ea typeface="Arial"/>
+                  <a:cs typeface="Arial"/>
+                  <a:sym typeface="Arial"/>
+                </a:defRPr>
+              </a:lvl6pPr>
+              <a:lvl7pPr marR="0" lvl="6" algn="l" rtl="0">
+                <a:lnSpc>
+                  <a:spcPct val="100000"/>
+                </a:lnSpc>
+                <a:spcBef>
+                  <a:spcPts val="0"/>
+                </a:spcBef>
+                <a:spcAft>
+                  <a:spcPts val="0"/>
+                </a:spcAft>
+                <a:buClr>
+                  <a:srgbClr val="000000"/>
+                </a:buClr>
+                <a:buFont typeface="Arial"/>
+                <a:defRPr sz="1400" b="0" i="0" u="none" strike="noStrike" cap="none">
+                  <a:solidFill>
+                    <a:srgbClr val="000000"/>
+                  </a:solidFill>
+                  <a:latin typeface="Arial"/>
+                  <a:ea typeface="Arial"/>
+                  <a:cs typeface="Arial"/>
+                  <a:sym typeface="Arial"/>
+                </a:defRPr>
+              </a:lvl7pPr>
+              <a:lvl8pPr marR="0" lvl="7" algn="l" rtl="0">
+                <a:lnSpc>
+                  <a:spcPct val="100000"/>
+                </a:lnSpc>
+                <a:spcBef>
+                  <a:spcPts val="0"/>
+                </a:spcBef>
+                <a:spcAft>
+                  <a:spcPts val="0"/>
+                </a:spcAft>
+                <a:buClr>
+                  <a:srgbClr val="000000"/>
+                </a:buClr>
+                <a:buFont typeface="Arial"/>
+                <a:defRPr sz="1400" b="0" i="0" u="none" strike="noStrike" cap="none">
+                  <a:solidFill>
+                    <a:srgbClr val="000000"/>
+                  </a:solidFill>
+                  <a:latin typeface="Arial"/>
+                  <a:ea typeface="Arial"/>
+                  <a:cs typeface="Arial"/>
+                  <a:sym typeface="Arial"/>
+                </a:defRPr>
+              </a:lvl8pPr>
+              <a:lvl9pPr marR="0" lvl="8" algn="l" rtl="0">
+                <a:lnSpc>
+                  <a:spcPct val="100000"/>
+                </a:lnSpc>
+                <a:spcBef>
+                  <a:spcPts val="0"/>
+                </a:spcBef>
+                <a:spcAft>
+                  <a:spcPts val="0"/>
+                </a:spcAft>
+                <a:buClr>
+                  <a:srgbClr val="000000"/>
+                </a:buClr>
+                <a:buFont typeface="Arial"/>
+                <a:defRPr sz="1400" b="0" i="0" u="none" strike="noStrike" cap="none">
+                  <a:solidFill>
+                    <a:srgbClr val="000000"/>
+                  </a:solidFill>
+                  <a:latin typeface="Arial"/>
+                  <a:ea typeface="Arial"/>
+                  <a:cs typeface="Arial"/>
+                  <a:sym typeface="Arial"/>
+                </a:defRPr>
+              </a:lvl9pPr>
+            </a:lstStyle>
             <a:p>
               <a:pPr marL="0" lvl="0" indent="0" algn="l" rtl="0">
                 <a:spcBef>

--- a/Documents/Presentation/[소프트웨어응용] 2조 프로젝트 2차발표.pptx
+++ b/Documents/Presentation/[소프트웨어응용] 2조 프로젝트 2차발표.pptx
@@ -6950,7 +6950,7 @@
                 <a:latin typeface="굵은굴림체" panose="02030600000101010101" pitchFamily="18" charset="-127"/>
                 <a:ea typeface="굵은굴림체" panose="02030600000101010101" pitchFamily="18" charset="-127"/>
               </a:rPr>
-              <a:t>(1) – </a:t>
+              <a:t> – </a:t>
             </a:r>
             <a:r>
               <a:rPr lang="ko-KR" altLang="en-US" dirty="0">
@@ -7036,23 +7036,15 @@
             </a:pPr>
             <a:r>
               <a:rPr lang="ko-KR" altLang="en-US" dirty="0"/>
-              <a:t>지역구별 임대시세</a:t>
+              <a:t>지역구별 직장인구 </a:t>
             </a:r>
             <a:r>
               <a:rPr lang="en-US" altLang="ko-KR" dirty="0"/>
-              <a:t>-</a:t>
+              <a:t>- </a:t>
             </a:r>
             <a:r>
               <a:rPr lang="ko-KR" altLang="en-US" dirty="0"/>
-              <a:t>생활</a:t>
-            </a:r>
-            <a:r>
-              <a:rPr lang="en-US" altLang="ko-KR" dirty="0"/>
-              <a:t>/</a:t>
-            </a:r>
-            <a:r>
-              <a:rPr lang="ko-KR" altLang="en-US" dirty="0"/>
-              <a:t>주거</a:t>
+              <a:t>생활인구</a:t>
             </a:r>
           </a:p>
         </p:txBody>
@@ -7073,7 +7065,7 @@
         </p:nvSpPr>
         <p:spPr>
           <a:xfrm>
-            <a:off x="6282792" y="4158134"/>
+            <a:off x="5991993" y="4158134"/>
             <a:ext cx="1648333" cy="493500"/>
           </a:xfrm>
           <a:prstGeom prst="rect">
@@ -7351,10 +7343,10 @@
       </p:sp>
       <p:pic>
         <p:nvPicPr>
-          <p:cNvPr id="4" name="그림 3">
+          <p:cNvPr id="5" name="그림 4">
             <a:extLst>
               <a:ext uri="{FF2B5EF4-FFF2-40B4-BE49-F238E27FC236}">
-                <a16:creationId xmlns:a16="http://schemas.microsoft.com/office/drawing/2014/main" id="{6BA597A4-6614-4A7A-8E48-D2480123964D}"/>
+                <a16:creationId xmlns:a16="http://schemas.microsoft.com/office/drawing/2014/main" id="{807AE2E1-C30B-498B-846C-9BA200F2D679}"/>
               </a:ext>
             </a:extLst>
           </p:cNvPr>
@@ -7371,8 +7363,8 @@
         </p:blipFill>
         <p:spPr>
           <a:xfrm>
-            <a:off x="615084" y="1361658"/>
-            <a:ext cx="3736419" cy="2796476"/>
+            <a:off x="593294" y="1638134"/>
+            <a:ext cx="3780000" cy="2520000"/>
           </a:xfrm>
           <a:prstGeom prst="rect">
             <a:avLst/>
@@ -7381,10 +7373,10 @@
       </p:pic>
       <p:pic>
         <p:nvPicPr>
-          <p:cNvPr id="7" name="그림 6">
+          <p:cNvPr id="8" name="그림 7">
             <a:extLst>
               <a:ext uri="{FF2B5EF4-FFF2-40B4-BE49-F238E27FC236}">
-                <a16:creationId xmlns:a16="http://schemas.microsoft.com/office/drawing/2014/main" id="{0B68356A-30B7-47A9-8C8B-2BE224A29DC8}"/>
+                <a16:creationId xmlns:a16="http://schemas.microsoft.com/office/drawing/2014/main" id="{58E233F3-95B6-49EA-9F1F-33241952DE5F}"/>
               </a:ext>
             </a:extLst>
           </p:cNvPr>
@@ -7401,8 +7393,8 @@
         </p:blipFill>
         <p:spPr>
           <a:xfrm>
-            <a:off x="5035896" y="1370580"/>
-            <a:ext cx="4069579" cy="2796475"/>
+            <a:off x="4982542" y="1638134"/>
+            <a:ext cx="3667237" cy="2520000"/>
           </a:xfrm>
           <a:prstGeom prst="rect">
             <a:avLst/>
@@ -8386,7 +8378,7 @@
                 <a:latin typeface="굵은굴림체" panose="02030600000101010101" pitchFamily="18" charset="-127"/>
                 <a:ea typeface="굵은굴림체" panose="02030600000101010101" pitchFamily="18" charset="-127"/>
               </a:rPr>
-              <a:t>(2) – </a:t>
+              <a:t> – </a:t>
             </a:r>
             <a:r>
               <a:rPr lang="ko-KR" altLang="en-US" dirty="0">
@@ -14890,7 +14882,7 @@
                 <a:latin typeface="굵은굴림체" panose="02030600000101010101" pitchFamily="18" charset="-127"/>
                 <a:ea typeface="굵은굴림체" panose="02030600000101010101" pitchFamily="18" charset="-127"/>
               </a:rPr>
-              <a:t>임대시세 부담정도 선택</a:t>
+              <a:t>임대시세 구간 선택</a:t>
             </a:r>
             <a:endParaRPr lang="en-US" altLang="ko-KR" sz="1800" dirty="0">
               <a:latin typeface="굵은굴림체" panose="02030600000101010101" pitchFamily="18" charset="-127"/>
